--- a/python内置语法让你的代码pythonic.pptx
+++ b/python内置语法让你的代码pythonic.pptx
@@ -136,6 +136,9 @@
         </p14:section>
       </p14:sectionLst>
     </p:ext>
+    <p:ext uri="{EFAFB233-063F-42B5-8137-9DF3F51BA10A}">
+      <p15:sldGuideLst xmlns:p15="http://schemas.microsoft.com/office/powerpoint/2012/main"/>
+    </p:ext>
   </p:extLst>
 </p:presentation>
 </file>
@@ -354,7 +357,7 @@
             <a:fld id="{B61BEF0D-F0BB-DE4B-95CE-6DB70DBA9567}" type="datetimeFigureOut">
               <a:rPr lang="en-US" dirty="0"/>
               <a:pPr/>
-              <a:t>8/1/2019</a:t>
+              <a:t>9/1/2020</a:t>
             </a:fld>
             <a:endParaRPr lang="en-US" dirty="0"/>
           </a:p>
@@ -642,7 +645,7 @@
             <a:fld id="{B61BEF0D-F0BB-DE4B-95CE-6DB70DBA9567}" type="datetimeFigureOut">
               <a:rPr lang="en-US" dirty="0"/>
               <a:pPr/>
-              <a:t>8/1/2019</a:t>
+              <a:t>9/1/2020</a:t>
             </a:fld>
             <a:endParaRPr lang="en-US" dirty="0"/>
           </a:p>
@@ -898,7 +901,7 @@
             <a:fld id="{B61BEF0D-F0BB-DE4B-95CE-6DB70DBA9567}" type="datetimeFigureOut">
               <a:rPr lang="en-US" dirty="0"/>
               <a:pPr/>
-              <a:t>8/1/2019</a:t>
+              <a:t>9/1/2020</a:t>
             </a:fld>
             <a:endParaRPr lang="en-US" dirty="0"/>
           </a:p>
@@ -1364,7 +1367,7 @@
             <a:fld id="{B61BEF0D-F0BB-DE4B-95CE-6DB70DBA9567}" type="datetimeFigureOut">
               <a:rPr lang="en-US" dirty="0"/>
               <a:pPr/>
-              <a:t>8/1/2019</a:t>
+              <a:t>9/1/2020</a:t>
             </a:fld>
             <a:endParaRPr lang="en-US" dirty="0"/>
           </a:p>
@@ -1541,7 +1544,7 @@
             <a:fld id="{B61BEF0D-F0BB-DE4B-95CE-6DB70DBA9567}" type="datetimeFigureOut">
               <a:rPr lang="en-US" dirty="0"/>
               <a:pPr/>
-              <a:t>8/1/2019</a:t>
+              <a:t>9/1/2020</a:t>
             </a:fld>
             <a:endParaRPr lang="en-US" dirty="0"/>
           </a:p>
@@ -2114,7 +2117,7 @@
             <a:fld id="{B61BEF0D-F0BB-DE4B-95CE-6DB70DBA9567}" type="datetimeFigureOut">
               <a:rPr lang="en-US" dirty="0"/>
               <a:pPr/>
-              <a:t>8/1/2019</a:t>
+              <a:t>9/1/2020</a:t>
             </a:fld>
             <a:endParaRPr lang="en-US" dirty="0"/>
           </a:p>
@@ -2443,7 +2446,7 @@
             <a:fld id="{B61BEF0D-F0BB-DE4B-95CE-6DB70DBA9567}" type="datetimeFigureOut">
               <a:rPr lang="en-US" dirty="0"/>
               <a:pPr/>
-              <a:t>8/1/2019</a:t>
+              <a:t>9/1/2020</a:t>
             </a:fld>
             <a:endParaRPr lang="en-US" dirty="0"/>
           </a:p>
@@ -2615,7 +2618,7 @@
             <a:fld id="{B61BEF0D-F0BB-DE4B-95CE-6DB70DBA9567}" type="datetimeFigureOut">
               <a:rPr lang="en-US" dirty="0"/>
               <a:pPr/>
-              <a:t>8/1/2019</a:t>
+              <a:t>9/1/2020</a:t>
             </a:fld>
             <a:endParaRPr lang="en-US" dirty="0"/>
           </a:p>
@@ -2792,7 +2795,7 @@
             <a:fld id="{B61BEF0D-F0BB-DE4B-95CE-6DB70DBA9567}" type="datetimeFigureOut">
               <a:rPr lang="en-US" dirty="0"/>
               <a:pPr/>
-              <a:t>8/1/2019</a:t>
+              <a:t>9/1/2020</a:t>
             </a:fld>
             <a:endParaRPr lang="en-US" dirty="0"/>
           </a:p>
@@ -2959,7 +2962,7 @@
             <a:fld id="{B61BEF0D-F0BB-DE4B-95CE-6DB70DBA9567}" type="datetimeFigureOut">
               <a:rPr lang="en-US" dirty="0"/>
               <a:pPr/>
-              <a:t>8/1/2019</a:t>
+              <a:t>9/1/2020</a:t>
             </a:fld>
             <a:endParaRPr lang="en-US" dirty="0"/>
           </a:p>
@@ -3213,7 +3216,7 @@
             <a:fld id="{B61BEF0D-F0BB-DE4B-95CE-6DB70DBA9567}" type="datetimeFigureOut">
               <a:rPr lang="en-US" dirty="0"/>
               <a:pPr/>
-              <a:t>8/1/2019</a:t>
+              <a:t>9/1/2020</a:t>
             </a:fld>
             <a:endParaRPr lang="en-US" dirty="0"/>
           </a:p>
@@ -3502,7 +3505,7 @@
             <a:fld id="{B61BEF0D-F0BB-DE4B-95CE-6DB70DBA9567}" type="datetimeFigureOut">
               <a:rPr lang="en-US" dirty="0"/>
               <a:pPr/>
-              <a:t>8/1/2019</a:t>
+              <a:t>9/1/2020</a:t>
             </a:fld>
             <a:endParaRPr lang="en-US" dirty="0"/>
           </a:p>
@@ -3929,7 +3932,7 @@
             <a:fld id="{B61BEF0D-F0BB-DE4B-95CE-6DB70DBA9567}" type="datetimeFigureOut">
               <a:rPr lang="en-US" dirty="0"/>
               <a:pPr/>
-              <a:t>8/1/2019</a:t>
+              <a:t>9/1/2020</a:t>
             </a:fld>
             <a:endParaRPr lang="en-US" dirty="0"/>
           </a:p>
@@ -4044,7 +4047,7 @@
             <a:fld id="{B61BEF0D-F0BB-DE4B-95CE-6DB70DBA9567}" type="datetimeFigureOut">
               <a:rPr lang="en-US" dirty="0"/>
               <a:pPr/>
-              <a:t>8/1/2019</a:t>
+              <a:t>9/1/2020</a:t>
             </a:fld>
             <a:endParaRPr lang="en-US" dirty="0"/>
           </a:p>
@@ -4136,7 +4139,7 @@
             <a:fld id="{B61BEF0D-F0BB-DE4B-95CE-6DB70DBA9567}" type="datetimeFigureOut">
               <a:rPr lang="en-US" dirty="0"/>
               <a:pPr/>
-              <a:t>8/1/2019</a:t>
+              <a:t>9/1/2020</a:t>
             </a:fld>
             <a:endParaRPr lang="en-US" dirty="0"/>
           </a:p>
@@ -4416,7 +4419,7 @@
             <a:fld id="{B61BEF0D-F0BB-DE4B-95CE-6DB70DBA9567}" type="datetimeFigureOut">
               <a:rPr lang="en-US" dirty="0"/>
               <a:pPr/>
-              <a:t>8/1/2019</a:t>
+              <a:t>9/1/2020</a:t>
             </a:fld>
             <a:endParaRPr lang="en-US" dirty="0"/>
           </a:p>
@@ -4704,7 +4707,7 @@
             <a:fld id="{B61BEF0D-F0BB-DE4B-95CE-6DB70DBA9567}" type="datetimeFigureOut">
               <a:rPr lang="en-US" dirty="0"/>
               <a:pPr/>
-              <a:t>8/1/2019</a:t>
+              <a:t>9/1/2020</a:t>
             </a:fld>
             <a:endParaRPr lang="en-US" dirty="0"/>
           </a:p>
@@ -4932,7 +4935,7 @@
             <a:fld id="{B61BEF0D-F0BB-DE4B-95CE-6DB70DBA9567}" type="datetimeFigureOut">
               <a:rPr lang="en-US" dirty="0"/>
               <a:pPr/>
-              <a:t>8/1/2019</a:t>
+              <a:t>9/1/2020</a:t>
             </a:fld>
             <a:endParaRPr lang="en-US" dirty="0"/>
           </a:p>
@@ -12279,7 +12282,7 @@
                     <a:p>
                       <a:pPr algn="just"/>
                       <a:r>
-                        <a:rPr lang="en-US" sz="1400" u="none" strike="noStrike">
+                        <a:rPr lang="en-US" sz="1400" u="none" strike="noStrike" dirty="0">
                           <a:solidFill>
                             <a:schemeClr val="accent6"/>
                           </a:solidFill>
@@ -12294,7 +12297,7 @@
                         </a:rPr>
                         <a:t>Counter</a:t>
                       </a:r>
-                      <a:endParaRPr lang="en-US" sz="1400">
+                      <a:endParaRPr lang="en-US" sz="1400" dirty="0">
                         <a:solidFill>
                           <a:schemeClr val="accent6"/>
                         </a:solidFill>
@@ -13581,8 +13584,8 @@
         </p:nvSpPr>
         <p:spPr>
           <a:xfrm>
-            <a:off x="1141413" y="179294"/>
-            <a:ext cx="9909174" cy="1192636"/>
+            <a:off x="794871" y="211830"/>
+            <a:ext cx="9951964" cy="683606"/>
           </a:xfrm>
         </p:spPr>
         <p:txBody>
@@ -13599,670 +13602,10 @@
       </p:sp>
       <p:sp>
         <p:nvSpPr>
-          <p:cNvPr id="4" name="Rectangle 1">
+          <p:cNvPr id="5" name="Rectangle 2">
             <a:extLst>
               <a:ext uri="{FF2B5EF4-FFF2-40B4-BE49-F238E27FC236}">
-                <a16:creationId xmlns:a16="http://schemas.microsoft.com/office/drawing/2014/main" id="{A26B65FC-168C-4DA2-B4AE-2536C513FD4E}"/>
-              </a:ext>
-            </a:extLst>
-          </p:cNvPr>
-          <p:cNvSpPr>
-            <a:spLocks noGrp="1" noChangeArrowheads="1"/>
-          </p:cNvSpPr>
-          <p:nvPr>
-            <p:ph idx="1"/>
-          </p:nvPr>
-        </p:nvSpPr>
-        <p:spPr bwMode="auto">
-          <a:xfrm>
-            <a:off x="1141412" y="1371930"/>
-            <a:ext cx="10284309" cy="2169825"/>
-          </a:xfrm>
-          <a:prstGeom prst="rect">
-            <a:avLst/>
-          </a:prstGeom>
-          <a:solidFill>
-            <a:srgbClr val="2B2B2B"/>
-          </a:solidFill>
-          <a:ln>
-            <a:noFill/>
-          </a:ln>
-          <a:effectLst/>
-          <a:extLst>
-            <a:ext uri="{91240B29-F687-4F45-9708-019B960494DF}">
-              <a14:hiddenLine xmlns:a14="http://schemas.microsoft.com/office/drawing/2010/main" w="9525">
-                <a:solidFill>
-                  <a:schemeClr val="tx1"/>
-                </a:solidFill>
-                <a:miter lim="800000"/>
-                <a:headEnd/>
-                <a:tailEnd/>
-              </a14:hiddenLine>
-            </a:ext>
-            <a:ext uri="{AF507438-7753-43E0-B8FC-AC1667EBCBE1}">
-              <a14:hiddenEffects xmlns:a14="http://schemas.microsoft.com/office/drawing/2010/main">
-                <a:effectLst>
-                  <a:outerShdw dist="35921" dir="2700000" algn="ctr" rotWithShape="0">
-                    <a:schemeClr val="bg2"/>
-                  </a:outerShdw>
-                </a:effectLst>
-              </a14:hiddenEffects>
-            </a:ext>
-          </a:extLst>
-        </p:spPr>
-        <p:txBody>
-          <a:bodyPr vert="horz" wrap="square" lIns="91440" tIns="45720" rIns="91440" bIns="45720" numCol="1" anchor="ctr" anchorCtr="0" compatLnSpc="1">
-            <a:prstTxWarp prst="textNoShape">
-              <a:avLst/>
-            </a:prstTxWarp>
-            <a:spAutoFit/>
-          </a:bodyPr>
-          <a:lstStyle/>
-          <a:p>
-            <a:pPr marL="0" lvl="0" indent="0" defTabSz="914400" eaLnBrk="0" fontAlgn="base" hangingPunct="0">
-              <a:spcBef>
-                <a:spcPct val="0"/>
-              </a:spcBef>
-              <a:spcAft>
-                <a:spcPct val="0"/>
-              </a:spcAft>
-              <a:buClrTx/>
-              <a:buSzTx/>
-              <a:buNone/>
-            </a:pPr>
-            <a:r>
-              <a:rPr lang="zh-CN" altLang="zh-CN" sz="1500" cap="none" dirty="0">
-                <a:solidFill>
-                  <a:srgbClr val="808080"/>
-                </a:solidFill>
-                <a:effectLst/>
-                <a:latin typeface="宋体" panose="02010600030101010101" pitchFamily="2" charset="-122"/>
-              </a:rPr>
-              <a:t># </a:t>
-            </a:r>
-            <a:r>
-              <a:rPr lang="en-US" altLang="zh-CN" sz="1500" cap="none" dirty="0">
-                <a:solidFill>
-                  <a:srgbClr val="808080"/>
-                </a:solidFill>
-                <a:effectLst/>
-                <a:latin typeface="宋体" panose="02010600030101010101" pitchFamily="2" charset="-122"/>
-              </a:rPr>
-              <a:t>usual</a:t>
-            </a:r>
-            <a:endParaRPr kumimoji="0" lang="en-US" altLang="zh-CN" sz="1500" b="0" i="0" u="none" strike="noStrike" cap="none" normalizeH="0" baseline="0" dirty="0">
-              <a:ln>
-                <a:noFill/>
-              </a:ln>
-              <a:solidFill>
-                <a:srgbClr val="94558D"/>
-              </a:solidFill>
-              <a:effectLst/>
-              <a:latin typeface="宋体" panose="02010600030101010101" pitchFamily="2" charset="-122"/>
-              <a:ea typeface="宋体" panose="02010600030101010101" pitchFamily="2" charset="-122"/>
-            </a:endParaRPr>
-          </a:p>
-          <a:p>
-            <a:pPr marL="0" marR="0" lvl="0" indent="0" algn="l" defTabSz="914400" rtl="0" eaLnBrk="0" fontAlgn="base" latinLnBrk="0" hangingPunct="0">
-              <a:lnSpc>
-                <a:spcPct val="100000"/>
-              </a:lnSpc>
-              <a:spcBef>
-                <a:spcPct val="0"/>
-              </a:spcBef>
-              <a:spcAft>
-                <a:spcPct val="0"/>
-              </a:spcAft>
-              <a:buClrTx/>
-              <a:buSzTx/>
-              <a:buFontTx/>
-              <a:buNone/>
-              <a:tabLst/>
-            </a:pPr>
-            <a:r>
-              <a:rPr kumimoji="0" lang="zh-CN" altLang="zh-CN" sz="1500" b="0" i="0" u="none" strike="noStrike" cap="none" normalizeH="0" baseline="0" dirty="0">
-                <a:ln>
-                  <a:noFill/>
-                </a:ln>
-                <a:solidFill>
-                  <a:srgbClr val="94558D"/>
-                </a:solidFill>
-                <a:effectLst/>
-                <a:latin typeface="宋体" panose="02010600030101010101" pitchFamily="2" charset="-122"/>
-                <a:ea typeface="宋体" panose="02010600030101010101" pitchFamily="2" charset="-122"/>
-              </a:rPr>
-              <a:t>self</a:t>
-            </a:r>
-            <a:r>
-              <a:rPr kumimoji="0" lang="zh-CN" altLang="zh-CN" sz="1500" b="0" i="0" u="none" strike="noStrike" cap="none" normalizeH="0" baseline="0" dirty="0">
-                <a:ln>
-                  <a:noFill/>
-                </a:ln>
-                <a:solidFill>
-                  <a:srgbClr val="A9B7C6"/>
-                </a:solidFill>
-                <a:effectLst/>
-                <a:latin typeface="宋体" panose="02010600030101010101" pitchFamily="2" charset="-122"/>
-                <a:ea typeface="宋体" panose="02010600030101010101" pitchFamily="2" charset="-122"/>
-              </a:rPr>
-              <a:t>.unit_list_sort = {}</a:t>
-            </a:r>
-            <a:br>
-              <a:rPr kumimoji="0" lang="zh-CN" altLang="zh-CN" sz="1500" b="0" i="0" u="none" strike="noStrike" cap="none" normalizeH="0" baseline="0" dirty="0">
-                <a:ln>
-                  <a:noFill/>
-                </a:ln>
-                <a:solidFill>
-                  <a:srgbClr val="A9B7C6"/>
-                </a:solidFill>
-                <a:effectLst/>
-                <a:latin typeface="宋体" panose="02010600030101010101" pitchFamily="2" charset="-122"/>
-                <a:ea typeface="宋体" panose="02010600030101010101" pitchFamily="2" charset="-122"/>
-              </a:rPr>
-            </a:br>
-            <a:r>
-              <a:rPr kumimoji="0" lang="zh-CN" altLang="zh-CN" sz="1500" b="0" i="0" u="none" strike="noStrike" cap="none" normalizeH="0" baseline="0" dirty="0">
-                <a:ln>
-                  <a:noFill/>
-                </a:ln>
-                <a:solidFill>
-                  <a:srgbClr val="CC7832"/>
-                </a:solidFill>
-                <a:effectLst/>
-                <a:latin typeface="宋体" panose="02010600030101010101" pitchFamily="2" charset="-122"/>
-                <a:ea typeface="宋体" panose="02010600030101010101" pitchFamily="2" charset="-122"/>
-              </a:rPr>
-              <a:t>for </a:t>
-            </a:r>
-            <a:r>
-              <a:rPr kumimoji="0" lang="zh-CN" altLang="zh-CN" sz="1500" b="0" i="0" u="none" strike="noStrike" cap="none" normalizeH="0" baseline="0" dirty="0">
-                <a:ln>
-                  <a:noFill/>
-                </a:ln>
-                <a:solidFill>
-                  <a:srgbClr val="A9B7C6"/>
-                </a:solidFill>
-                <a:effectLst/>
-                <a:latin typeface="宋体" panose="02010600030101010101" pitchFamily="2" charset="-122"/>
-                <a:ea typeface="宋体" panose="02010600030101010101" pitchFamily="2" charset="-122"/>
-              </a:rPr>
-              <a:t>folder </a:t>
-            </a:r>
-            <a:r>
-              <a:rPr kumimoji="0" lang="zh-CN" altLang="zh-CN" sz="1500" b="0" i="0" u="none" strike="noStrike" cap="none" normalizeH="0" baseline="0" dirty="0">
-                <a:ln>
-                  <a:noFill/>
-                </a:ln>
-                <a:solidFill>
-                  <a:srgbClr val="CC7832"/>
-                </a:solidFill>
-                <a:effectLst/>
-                <a:latin typeface="宋体" panose="02010600030101010101" pitchFamily="2" charset="-122"/>
-                <a:ea typeface="宋体" panose="02010600030101010101" pitchFamily="2" charset="-122"/>
-              </a:rPr>
-              <a:t>in </a:t>
-            </a:r>
-            <a:r>
-              <a:rPr kumimoji="0" lang="zh-CN" altLang="zh-CN" sz="1500" b="0" i="0" u="none" strike="noStrike" cap="none" normalizeH="0" baseline="0" dirty="0">
-                <a:ln>
-                  <a:noFill/>
-                </a:ln>
-                <a:solidFill>
-                  <a:srgbClr val="A9B7C6"/>
-                </a:solidFill>
-                <a:effectLst/>
-                <a:latin typeface="宋体" panose="02010600030101010101" pitchFamily="2" charset="-122"/>
-                <a:ea typeface="宋体" panose="02010600030101010101" pitchFamily="2" charset="-122"/>
-              </a:rPr>
-              <a:t>os.listdir(UNIT_PATH):</a:t>
-            </a:r>
-            <a:br>
-              <a:rPr kumimoji="0" lang="zh-CN" altLang="zh-CN" sz="1500" b="0" i="0" u="none" strike="noStrike" cap="none" normalizeH="0" baseline="0" dirty="0">
-                <a:ln>
-                  <a:noFill/>
-                </a:ln>
-                <a:solidFill>
-                  <a:srgbClr val="A9B7C6"/>
-                </a:solidFill>
-                <a:effectLst/>
-                <a:latin typeface="宋体" panose="02010600030101010101" pitchFamily="2" charset="-122"/>
-                <a:ea typeface="宋体" panose="02010600030101010101" pitchFamily="2" charset="-122"/>
-              </a:rPr>
-            </a:br>
-            <a:r>
-              <a:rPr kumimoji="0" lang="zh-CN" altLang="zh-CN" sz="1500" b="0" i="0" u="none" strike="noStrike" cap="none" normalizeH="0" baseline="0" dirty="0">
-                <a:ln>
-                  <a:noFill/>
-                </a:ln>
-                <a:solidFill>
-                  <a:srgbClr val="A9B7C6"/>
-                </a:solidFill>
-                <a:effectLst/>
-                <a:latin typeface="宋体" panose="02010600030101010101" pitchFamily="2" charset="-122"/>
-                <a:ea typeface="宋体" panose="02010600030101010101" pitchFamily="2" charset="-122"/>
-              </a:rPr>
-              <a:t>    unit_content = jsonUtil.readJsonFile(os.path.join(UNIT_PATH</a:t>
-            </a:r>
-            <a:r>
-              <a:rPr kumimoji="0" lang="zh-CN" altLang="zh-CN" sz="1500" b="0" i="0" u="none" strike="noStrike" cap="none" normalizeH="0" baseline="0" dirty="0">
-                <a:ln>
-                  <a:noFill/>
-                </a:ln>
-                <a:solidFill>
-                  <a:srgbClr val="CC7832"/>
-                </a:solidFill>
-                <a:effectLst/>
-                <a:latin typeface="宋体" panose="02010600030101010101" pitchFamily="2" charset="-122"/>
-                <a:ea typeface="宋体" panose="02010600030101010101" pitchFamily="2" charset="-122"/>
-              </a:rPr>
-              <a:t>, </a:t>
-            </a:r>
-            <a:r>
-              <a:rPr kumimoji="0" lang="zh-CN" altLang="zh-CN" sz="1500" b="0" i="0" u="none" strike="noStrike" cap="none" normalizeH="0" baseline="0" dirty="0">
-                <a:ln>
-                  <a:noFill/>
-                </a:ln>
-                <a:solidFill>
-                  <a:srgbClr val="A9B7C6"/>
-                </a:solidFill>
-                <a:effectLst/>
-                <a:latin typeface="宋体" panose="02010600030101010101" pitchFamily="2" charset="-122"/>
-                <a:ea typeface="宋体" panose="02010600030101010101" pitchFamily="2" charset="-122"/>
-              </a:rPr>
-              <a:t>folder</a:t>
-            </a:r>
-            <a:r>
-              <a:rPr kumimoji="0" lang="zh-CN" altLang="zh-CN" sz="1500" b="0" i="0" u="none" strike="noStrike" cap="none" normalizeH="0" baseline="0" dirty="0">
-                <a:ln>
-                  <a:noFill/>
-                </a:ln>
-                <a:solidFill>
-                  <a:srgbClr val="CC7832"/>
-                </a:solidFill>
-                <a:effectLst/>
-                <a:latin typeface="宋体" panose="02010600030101010101" pitchFamily="2" charset="-122"/>
-                <a:ea typeface="宋体" panose="02010600030101010101" pitchFamily="2" charset="-122"/>
-              </a:rPr>
-              <a:t>, </a:t>
-            </a:r>
-            <a:r>
-              <a:rPr kumimoji="0" lang="zh-CN" altLang="zh-CN" sz="1500" b="0" i="0" u="none" strike="noStrike" cap="none" normalizeH="0" baseline="0" dirty="0">
-                <a:ln>
-                  <a:noFill/>
-                </a:ln>
-                <a:solidFill>
-                  <a:srgbClr val="A9B7C6"/>
-                </a:solidFill>
-                <a:effectLst/>
-                <a:latin typeface="宋体" panose="02010600030101010101" pitchFamily="2" charset="-122"/>
-                <a:ea typeface="宋体" panose="02010600030101010101" pitchFamily="2" charset="-122"/>
-              </a:rPr>
-              <a:t>CONTENT_FILE_NAME))</a:t>
-            </a:r>
-            <a:br>
-              <a:rPr kumimoji="0" lang="zh-CN" altLang="zh-CN" sz="1500" b="0" i="0" u="none" strike="noStrike" cap="none" normalizeH="0" baseline="0" dirty="0">
-                <a:ln>
-                  <a:noFill/>
-                </a:ln>
-                <a:solidFill>
-                  <a:srgbClr val="A9B7C6"/>
-                </a:solidFill>
-                <a:effectLst/>
-                <a:latin typeface="宋体" panose="02010600030101010101" pitchFamily="2" charset="-122"/>
-                <a:ea typeface="宋体" panose="02010600030101010101" pitchFamily="2" charset="-122"/>
-              </a:rPr>
-            </a:br>
-            <a:r>
-              <a:rPr kumimoji="0" lang="zh-CN" altLang="zh-CN" sz="1500" b="0" i="0" u="none" strike="noStrike" cap="none" normalizeH="0" baseline="0" dirty="0">
-                <a:ln>
-                  <a:noFill/>
-                </a:ln>
-                <a:solidFill>
-                  <a:srgbClr val="A9B7C6"/>
-                </a:solidFill>
-                <a:effectLst/>
-                <a:latin typeface="宋体" panose="02010600030101010101" pitchFamily="2" charset="-122"/>
-                <a:ea typeface="宋体" panose="02010600030101010101" pitchFamily="2" charset="-122"/>
-              </a:rPr>
-              <a:t>    unit_type = unit_content.get(</a:t>
-            </a:r>
-            <a:r>
-              <a:rPr kumimoji="0" lang="zh-CN" altLang="zh-CN" sz="1500" b="0" i="0" u="none" strike="noStrike" cap="none" normalizeH="0" baseline="0" dirty="0">
-                <a:ln>
-                  <a:noFill/>
-                </a:ln>
-                <a:solidFill>
-                  <a:srgbClr val="6A8759"/>
-                </a:solidFill>
-                <a:effectLst/>
-                <a:latin typeface="宋体" panose="02010600030101010101" pitchFamily="2" charset="-122"/>
-                <a:ea typeface="宋体" panose="02010600030101010101" pitchFamily="2" charset="-122"/>
-              </a:rPr>
-              <a:t>"unit_type"</a:t>
-            </a:r>
-            <a:r>
-              <a:rPr kumimoji="0" lang="zh-CN" altLang="zh-CN" sz="1500" b="0" i="0" u="none" strike="noStrike" cap="none" normalizeH="0" baseline="0" dirty="0">
-                <a:ln>
-                  <a:noFill/>
-                </a:ln>
-                <a:solidFill>
-                  <a:srgbClr val="A9B7C6"/>
-                </a:solidFill>
-                <a:effectLst/>
-                <a:latin typeface="宋体" panose="02010600030101010101" pitchFamily="2" charset="-122"/>
-                <a:ea typeface="宋体" panose="02010600030101010101" pitchFamily="2" charset="-122"/>
-              </a:rPr>
-              <a:t>)</a:t>
-            </a:r>
-            <a:br>
-              <a:rPr kumimoji="0" lang="zh-CN" altLang="zh-CN" sz="1500" b="0" i="0" u="none" strike="noStrike" cap="none" normalizeH="0" baseline="0" dirty="0">
-                <a:ln>
-                  <a:noFill/>
-                </a:ln>
-                <a:solidFill>
-                  <a:srgbClr val="A9B7C6"/>
-                </a:solidFill>
-                <a:effectLst/>
-                <a:latin typeface="宋体" panose="02010600030101010101" pitchFamily="2" charset="-122"/>
-                <a:ea typeface="宋体" panose="02010600030101010101" pitchFamily="2" charset="-122"/>
-              </a:rPr>
-            </a:br>
-            <a:r>
-              <a:rPr kumimoji="0" lang="zh-CN" altLang="zh-CN" sz="1500" b="0" i="0" u="none" strike="noStrike" cap="none" normalizeH="0" baseline="0" dirty="0">
-                <a:ln>
-                  <a:noFill/>
-                </a:ln>
-                <a:solidFill>
-                  <a:srgbClr val="A9B7C6"/>
-                </a:solidFill>
-                <a:effectLst/>
-                <a:latin typeface="宋体" panose="02010600030101010101" pitchFamily="2" charset="-122"/>
-                <a:ea typeface="宋体" panose="02010600030101010101" pitchFamily="2" charset="-122"/>
-              </a:rPr>
-              <a:t>    </a:t>
-            </a:r>
-            <a:r>
-              <a:rPr kumimoji="0" lang="zh-CN" altLang="zh-CN" sz="1500" b="0" i="0" u="none" strike="noStrike" cap="none" normalizeH="0" baseline="0" dirty="0">
-                <a:ln>
-                  <a:noFill/>
-                </a:ln>
-                <a:solidFill>
-                  <a:srgbClr val="CC7832"/>
-                </a:solidFill>
-                <a:effectLst/>
-                <a:latin typeface="宋体" panose="02010600030101010101" pitchFamily="2" charset="-122"/>
-                <a:ea typeface="宋体" panose="02010600030101010101" pitchFamily="2" charset="-122"/>
-              </a:rPr>
-              <a:t>if </a:t>
-            </a:r>
-            <a:r>
-              <a:rPr kumimoji="0" lang="zh-CN" altLang="zh-CN" sz="1500" b="0" i="0" u="none" strike="noStrike" cap="none" normalizeH="0" baseline="0" dirty="0">
-                <a:ln>
-                  <a:noFill/>
-                </a:ln>
-                <a:solidFill>
-                  <a:srgbClr val="94558D"/>
-                </a:solidFill>
-                <a:effectLst/>
-                <a:latin typeface="宋体" panose="02010600030101010101" pitchFamily="2" charset="-122"/>
-                <a:ea typeface="宋体" panose="02010600030101010101" pitchFamily="2" charset="-122"/>
-              </a:rPr>
-              <a:t>self</a:t>
-            </a:r>
-            <a:r>
-              <a:rPr kumimoji="0" lang="zh-CN" altLang="zh-CN" sz="1500" b="0" i="0" u="none" strike="noStrike" cap="none" normalizeH="0" baseline="0" dirty="0">
-                <a:ln>
-                  <a:noFill/>
-                </a:ln>
-                <a:solidFill>
-                  <a:srgbClr val="A9B7C6"/>
-                </a:solidFill>
-                <a:effectLst/>
-                <a:latin typeface="宋体" panose="02010600030101010101" pitchFamily="2" charset="-122"/>
-                <a:ea typeface="宋体" panose="02010600030101010101" pitchFamily="2" charset="-122"/>
-              </a:rPr>
-              <a:t>.unit_list_sort.get(unit_type):</a:t>
-            </a:r>
-            <a:br>
-              <a:rPr kumimoji="0" lang="zh-CN" altLang="zh-CN" sz="1500" b="0" i="0" u="none" strike="noStrike" cap="none" normalizeH="0" baseline="0" dirty="0">
-                <a:ln>
-                  <a:noFill/>
-                </a:ln>
-                <a:solidFill>
-                  <a:srgbClr val="A9B7C6"/>
-                </a:solidFill>
-                <a:effectLst/>
-                <a:latin typeface="宋体" panose="02010600030101010101" pitchFamily="2" charset="-122"/>
-                <a:ea typeface="宋体" panose="02010600030101010101" pitchFamily="2" charset="-122"/>
-              </a:rPr>
-            </a:br>
-            <a:r>
-              <a:rPr kumimoji="0" lang="zh-CN" altLang="zh-CN" sz="1500" b="0" i="0" u="none" strike="noStrike" cap="none" normalizeH="0" baseline="0" dirty="0">
-                <a:ln>
-                  <a:noFill/>
-                </a:ln>
-                <a:solidFill>
-                  <a:srgbClr val="A9B7C6"/>
-                </a:solidFill>
-                <a:effectLst/>
-                <a:latin typeface="宋体" panose="02010600030101010101" pitchFamily="2" charset="-122"/>
-                <a:ea typeface="宋体" panose="02010600030101010101" pitchFamily="2" charset="-122"/>
-              </a:rPr>
-              <a:t>        </a:t>
-            </a:r>
-            <a:r>
-              <a:rPr kumimoji="0" lang="zh-CN" altLang="zh-CN" sz="1500" b="0" i="0" u="none" strike="noStrike" cap="none" normalizeH="0" baseline="0" dirty="0">
-                <a:ln>
-                  <a:noFill/>
-                </a:ln>
-                <a:solidFill>
-                  <a:srgbClr val="94558D"/>
-                </a:solidFill>
-                <a:effectLst/>
-                <a:latin typeface="宋体" panose="02010600030101010101" pitchFamily="2" charset="-122"/>
-                <a:ea typeface="宋体" panose="02010600030101010101" pitchFamily="2" charset="-122"/>
-              </a:rPr>
-              <a:t>self</a:t>
-            </a:r>
-            <a:r>
-              <a:rPr kumimoji="0" lang="zh-CN" altLang="zh-CN" sz="1500" b="0" i="0" u="none" strike="noStrike" cap="none" normalizeH="0" baseline="0" dirty="0">
-                <a:ln>
-                  <a:noFill/>
-                </a:ln>
-                <a:solidFill>
-                  <a:srgbClr val="A9B7C6"/>
-                </a:solidFill>
-                <a:effectLst/>
-                <a:latin typeface="宋体" panose="02010600030101010101" pitchFamily="2" charset="-122"/>
-                <a:ea typeface="宋体" panose="02010600030101010101" pitchFamily="2" charset="-122"/>
-              </a:rPr>
-              <a:t>.unit_list_sort.get(unit_type).append(unit_content.get(</a:t>
-            </a:r>
-            <a:r>
-              <a:rPr kumimoji="0" lang="zh-CN" altLang="zh-CN" sz="1500" b="0" i="0" u="none" strike="noStrike" cap="none" normalizeH="0" baseline="0" dirty="0">
-                <a:ln>
-                  <a:noFill/>
-                </a:ln>
-                <a:solidFill>
-                  <a:srgbClr val="6A8759"/>
-                </a:solidFill>
-                <a:effectLst/>
-                <a:latin typeface="宋体" panose="02010600030101010101" pitchFamily="2" charset="-122"/>
-                <a:ea typeface="宋体" panose="02010600030101010101" pitchFamily="2" charset="-122"/>
-              </a:rPr>
-              <a:t>"content"</a:t>
-            </a:r>
-            <a:r>
-              <a:rPr kumimoji="0" lang="zh-CN" altLang="zh-CN" sz="1500" b="0" i="0" u="none" strike="noStrike" cap="none" normalizeH="0" baseline="0" dirty="0">
-                <a:ln>
-                  <a:noFill/>
-                </a:ln>
-                <a:solidFill>
-                  <a:srgbClr val="A9B7C6"/>
-                </a:solidFill>
-                <a:effectLst/>
-                <a:latin typeface="宋体" panose="02010600030101010101" pitchFamily="2" charset="-122"/>
-                <a:ea typeface="宋体" panose="02010600030101010101" pitchFamily="2" charset="-122"/>
-              </a:rPr>
-              <a:t>))</a:t>
-            </a:r>
-            <a:br>
-              <a:rPr kumimoji="0" lang="zh-CN" altLang="zh-CN" sz="1500" b="0" i="0" u="none" strike="noStrike" cap="none" normalizeH="0" baseline="0" dirty="0">
-                <a:ln>
-                  <a:noFill/>
-                </a:ln>
-                <a:solidFill>
-                  <a:srgbClr val="A9B7C6"/>
-                </a:solidFill>
-                <a:effectLst/>
-                <a:latin typeface="宋体" panose="02010600030101010101" pitchFamily="2" charset="-122"/>
-                <a:ea typeface="宋体" panose="02010600030101010101" pitchFamily="2" charset="-122"/>
-              </a:rPr>
-            </a:br>
-            <a:r>
-              <a:rPr kumimoji="0" lang="zh-CN" altLang="zh-CN" sz="1500" b="0" i="0" u="none" strike="noStrike" cap="none" normalizeH="0" baseline="0" dirty="0">
-                <a:ln>
-                  <a:noFill/>
-                </a:ln>
-                <a:solidFill>
-                  <a:srgbClr val="A9B7C6"/>
-                </a:solidFill>
-                <a:effectLst/>
-                <a:latin typeface="宋体" panose="02010600030101010101" pitchFamily="2" charset="-122"/>
-                <a:ea typeface="宋体" panose="02010600030101010101" pitchFamily="2" charset="-122"/>
-              </a:rPr>
-              <a:t>    </a:t>
-            </a:r>
-            <a:r>
-              <a:rPr kumimoji="0" lang="zh-CN" altLang="zh-CN" sz="1500" b="0" i="0" u="none" strike="noStrike" cap="none" normalizeH="0" baseline="0" dirty="0">
-                <a:ln>
-                  <a:noFill/>
-                </a:ln>
-                <a:solidFill>
-                  <a:srgbClr val="CC7832"/>
-                </a:solidFill>
-                <a:effectLst/>
-                <a:latin typeface="宋体" panose="02010600030101010101" pitchFamily="2" charset="-122"/>
-                <a:ea typeface="宋体" panose="02010600030101010101" pitchFamily="2" charset="-122"/>
-              </a:rPr>
-              <a:t>else</a:t>
-            </a:r>
-            <a:r>
-              <a:rPr kumimoji="0" lang="zh-CN" altLang="zh-CN" sz="1500" b="0" i="0" u="none" strike="noStrike" cap="none" normalizeH="0" baseline="0" dirty="0">
-                <a:ln>
-                  <a:noFill/>
-                </a:ln>
-                <a:solidFill>
-                  <a:srgbClr val="A9B7C6"/>
-                </a:solidFill>
-                <a:effectLst/>
-                <a:latin typeface="宋体" panose="02010600030101010101" pitchFamily="2" charset="-122"/>
-                <a:ea typeface="宋体" panose="02010600030101010101" pitchFamily="2" charset="-122"/>
-              </a:rPr>
-              <a:t>:</a:t>
-            </a:r>
-            <a:br>
-              <a:rPr kumimoji="0" lang="zh-CN" altLang="zh-CN" sz="1500" b="0" i="0" u="none" strike="noStrike" cap="none" normalizeH="0" baseline="0" dirty="0">
-                <a:ln>
-                  <a:noFill/>
-                </a:ln>
-                <a:solidFill>
-                  <a:srgbClr val="A9B7C6"/>
-                </a:solidFill>
-                <a:effectLst/>
-                <a:latin typeface="宋体" panose="02010600030101010101" pitchFamily="2" charset="-122"/>
-                <a:ea typeface="宋体" panose="02010600030101010101" pitchFamily="2" charset="-122"/>
-              </a:rPr>
-            </a:br>
-            <a:r>
-              <a:rPr kumimoji="0" lang="zh-CN" altLang="zh-CN" sz="1500" b="0" i="0" u="none" strike="noStrike" cap="none" normalizeH="0" baseline="0" dirty="0">
-                <a:ln>
-                  <a:noFill/>
-                </a:ln>
-                <a:solidFill>
-                  <a:srgbClr val="A9B7C6"/>
-                </a:solidFill>
-                <a:effectLst/>
-                <a:latin typeface="宋体" panose="02010600030101010101" pitchFamily="2" charset="-122"/>
-                <a:ea typeface="宋体" panose="02010600030101010101" pitchFamily="2" charset="-122"/>
-              </a:rPr>
-              <a:t>        </a:t>
-            </a:r>
-            <a:r>
-              <a:rPr kumimoji="0" lang="zh-CN" altLang="zh-CN" sz="1500" b="0" i="0" u="none" strike="noStrike" cap="none" normalizeH="0" baseline="0" dirty="0">
-                <a:ln>
-                  <a:noFill/>
-                </a:ln>
-                <a:solidFill>
-                  <a:srgbClr val="94558D"/>
-                </a:solidFill>
-                <a:effectLst/>
-                <a:latin typeface="宋体" panose="02010600030101010101" pitchFamily="2" charset="-122"/>
-                <a:ea typeface="宋体" panose="02010600030101010101" pitchFamily="2" charset="-122"/>
-              </a:rPr>
-              <a:t>self</a:t>
-            </a:r>
-            <a:r>
-              <a:rPr kumimoji="0" lang="zh-CN" altLang="zh-CN" sz="1500" b="0" i="0" u="none" strike="noStrike" cap="none" normalizeH="0" baseline="0" dirty="0">
-                <a:ln>
-                  <a:noFill/>
-                </a:ln>
-                <a:solidFill>
-                  <a:srgbClr val="A9B7C6"/>
-                </a:solidFill>
-                <a:effectLst/>
-                <a:latin typeface="宋体" panose="02010600030101010101" pitchFamily="2" charset="-122"/>
-                <a:ea typeface="宋体" panose="02010600030101010101" pitchFamily="2" charset="-122"/>
-              </a:rPr>
-              <a:t>.unit_list_sort[unit_type] = [unit_content.get(</a:t>
-            </a:r>
-            <a:r>
-              <a:rPr kumimoji="0" lang="zh-CN" altLang="zh-CN" sz="1500" b="0" i="0" u="none" strike="noStrike" cap="none" normalizeH="0" baseline="0" dirty="0">
-                <a:ln>
-                  <a:noFill/>
-                </a:ln>
-                <a:solidFill>
-                  <a:srgbClr val="6A8759"/>
-                </a:solidFill>
-                <a:effectLst/>
-                <a:latin typeface="宋体" panose="02010600030101010101" pitchFamily="2" charset="-122"/>
-                <a:ea typeface="宋体" panose="02010600030101010101" pitchFamily="2" charset="-122"/>
-              </a:rPr>
-              <a:t>"content"</a:t>
-            </a:r>
-            <a:r>
-              <a:rPr kumimoji="0" lang="zh-CN" altLang="zh-CN" sz="1500" b="0" i="0" u="none" strike="noStrike" cap="none" normalizeH="0" baseline="0" dirty="0">
-                <a:ln>
-                  <a:noFill/>
-                </a:ln>
-                <a:solidFill>
-                  <a:srgbClr val="A9B7C6"/>
-                </a:solidFill>
-                <a:effectLst/>
-                <a:latin typeface="宋体" panose="02010600030101010101" pitchFamily="2" charset="-122"/>
-                <a:ea typeface="宋体" panose="02010600030101010101" pitchFamily="2" charset="-122"/>
-              </a:rPr>
-              <a:t>)]</a:t>
-            </a:r>
-            <a:endParaRPr kumimoji="0" lang="zh-CN" altLang="zh-CN" sz="1800" b="0" i="0" u="none" strike="noStrike" cap="none" normalizeH="0" baseline="0" dirty="0">
-              <a:ln>
-                <a:noFill/>
-              </a:ln>
-              <a:solidFill>
-                <a:schemeClr val="tx1"/>
-              </a:solidFill>
-              <a:effectLst/>
-              <a:latin typeface="Arial" panose="020B0604020202020204" pitchFamily="34" charset="0"/>
-            </a:endParaRPr>
-          </a:p>
-        </p:txBody>
-      </p:sp>
-      <p:sp>
-        <p:nvSpPr>
-          <p:cNvPr id="6" name="Rectangle 3">
-            <a:extLst>
-              <a:ext uri="{FF2B5EF4-FFF2-40B4-BE49-F238E27FC236}">
-                <a16:creationId xmlns:a16="http://schemas.microsoft.com/office/drawing/2014/main" id="{83DE7738-D588-42DE-B8AE-BFD30F3ADE0C}"/>
+                <a16:creationId xmlns:a16="http://schemas.microsoft.com/office/drawing/2014/main" id="{BB4BE899-2D32-4BBD-9D7B-8EEC5F4376F7}"/>
               </a:ext>
             </a:extLst>
           </p:cNvPr>
@@ -14273,8 +13616,8 @@
         </p:nvSpPr>
         <p:spPr bwMode="auto">
           <a:xfrm>
-            <a:off x="1141413" y="3689543"/>
-            <a:ext cx="10284311" cy="1247887"/>
+            <a:off x="963830" y="938119"/>
+            <a:ext cx="5733854" cy="892552"/>
           </a:xfrm>
           <a:prstGeom prst="rect">
             <a:avLst/>
@@ -14334,26 +13677,40 @@
               <a:tabLst/>
             </a:pPr>
             <a:r>
-              <a:rPr kumimoji="0" lang="zh-CN" altLang="zh-CN" sz="1500" b="0" i="0" u="none" strike="noStrike" cap="none" normalizeH="0" baseline="0" dirty="0">
-                <a:ln>
-                  <a:noFill/>
-                </a:ln>
-                <a:solidFill>
-                  <a:srgbClr val="808080"/>
-                </a:solidFill>
-                <a:effectLst/>
-                <a:latin typeface="宋体" panose="02010600030101010101" pitchFamily="2" charset="-122"/>
-                <a:ea typeface="宋体" panose="02010600030101010101" pitchFamily="2" charset="-122"/>
-              </a:rPr>
-              <a:t># setdefault()</a:t>
+              <a:rPr kumimoji="0" lang="zh-CN" altLang="zh-CN" sz="1300" b="0" i="0" u="none" strike="noStrike" cap="none" normalizeH="0" baseline="0" dirty="0">
+                <a:ln>
+                  <a:noFill/>
+                </a:ln>
+                <a:solidFill>
+                  <a:srgbClr val="CC7832"/>
+                </a:solidFill>
+                <a:effectLst/>
+                <a:latin typeface="宋体" panose="02010600030101010101" pitchFamily="2" charset="-122"/>
+                <a:ea typeface="宋体" panose="02010600030101010101" pitchFamily="2" charset="-122"/>
+              </a:rPr>
+              <a:t>import </a:t>
+            </a:r>
+            <a:r>
+              <a:rPr kumimoji="0" lang="zh-CN" altLang="zh-CN" sz="1300" b="0" i="0" u="none" strike="noStrike" cap="none" normalizeH="0" baseline="0" dirty="0">
+                <a:ln>
+                  <a:noFill/>
+                </a:ln>
+                <a:solidFill>
+                  <a:srgbClr val="A9B7C6"/>
+                </a:solidFill>
+                <a:effectLst/>
+                <a:latin typeface="宋体" panose="02010600030101010101" pitchFamily="2" charset="-122"/>
+                <a:ea typeface="宋体" panose="02010600030101010101" pitchFamily="2" charset="-122"/>
+              </a:rPr>
+              <a:t>random</a:t>
             </a:r>
             <a:br>
-              <a:rPr kumimoji="0" lang="zh-CN" altLang="zh-CN" sz="1500" b="0" i="0" u="none" strike="noStrike" cap="none" normalizeH="0" baseline="0" dirty="0">
-                <a:ln>
-                  <a:noFill/>
-                </a:ln>
-                <a:solidFill>
-                  <a:srgbClr val="808080"/>
+              <a:rPr kumimoji="0" lang="zh-CN" altLang="zh-CN" sz="1300" b="0" i="0" u="none" strike="noStrike" cap="none" normalizeH="0" baseline="0" dirty="0">
+                <a:ln>
+                  <a:noFill/>
+                </a:ln>
+                <a:solidFill>
+                  <a:srgbClr val="A9B7C6"/>
                 </a:solidFill>
                 <a:effectLst/>
                 <a:latin typeface="宋体" panose="02010600030101010101" pitchFamily="2" charset="-122"/>
@@ -14361,35 +13718,35 @@
               </a:rPr>
             </a:br>
             <a:r>
-              <a:rPr kumimoji="0" lang="zh-CN" altLang="zh-CN" sz="1500" b="0" i="0" u="none" strike="noStrike" cap="none" normalizeH="0" baseline="0" dirty="0">
-                <a:ln>
-                  <a:noFill/>
-                </a:ln>
-                <a:solidFill>
-                  <a:srgbClr val="94558D"/>
-                </a:solidFill>
-                <a:effectLst/>
-                <a:latin typeface="宋体" panose="02010600030101010101" pitchFamily="2" charset="-122"/>
-                <a:ea typeface="宋体" panose="02010600030101010101" pitchFamily="2" charset="-122"/>
-              </a:rPr>
-              <a:t>self</a:t>
-            </a:r>
-            <a:r>
-              <a:rPr kumimoji="0" lang="zh-CN" altLang="zh-CN" sz="1500" b="0" i="0" u="none" strike="noStrike" cap="none" normalizeH="0" baseline="0" dirty="0">
-                <a:ln>
-                  <a:noFill/>
-                </a:ln>
-                <a:solidFill>
-                  <a:srgbClr val="A9B7C6"/>
-                </a:solidFill>
-                <a:effectLst/>
-                <a:latin typeface="宋体" panose="02010600030101010101" pitchFamily="2" charset="-122"/>
-                <a:ea typeface="宋体" panose="02010600030101010101" pitchFamily="2" charset="-122"/>
-              </a:rPr>
-              <a:t>.unit_list_sort = {}</a:t>
+              <a:rPr kumimoji="0" lang="zh-CN" altLang="zh-CN" sz="1300" b="0" i="0" u="none" strike="noStrike" cap="none" normalizeH="0" baseline="0" dirty="0">
+                <a:ln>
+                  <a:noFill/>
+                </a:ln>
+                <a:solidFill>
+                  <a:srgbClr val="CC7832"/>
+                </a:solidFill>
+                <a:effectLst/>
+                <a:latin typeface="宋体" panose="02010600030101010101" pitchFamily="2" charset="-122"/>
+                <a:ea typeface="宋体" panose="02010600030101010101" pitchFamily="2" charset="-122"/>
+              </a:rPr>
+              <a:t>import </a:t>
+            </a:r>
+            <a:r>
+              <a:rPr kumimoji="0" lang="zh-CN" altLang="zh-CN" sz="1300" b="0" i="0" u="none" strike="noStrike" cap="none" normalizeH="0" baseline="0" dirty="0">
+                <a:ln>
+                  <a:noFill/>
+                </a:ln>
+                <a:solidFill>
+                  <a:srgbClr val="A9B7C6"/>
+                </a:solidFill>
+                <a:effectLst/>
+                <a:latin typeface="宋体" panose="02010600030101010101" pitchFamily="2" charset="-122"/>
+                <a:ea typeface="宋体" panose="02010600030101010101" pitchFamily="2" charset="-122"/>
+              </a:rPr>
+              <a:t>string</a:t>
             </a:r>
             <a:br>
-              <a:rPr kumimoji="0" lang="zh-CN" altLang="zh-CN" sz="1500" b="0" i="0" u="none" strike="noStrike" cap="none" normalizeH="0" baseline="0" dirty="0">
+              <a:rPr kumimoji="0" lang="zh-CN" altLang="zh-CN" sz="1300" b="0" i="0" u="none" strike="noStrike" cap="none" normalizeH="0" baseline="0" dirty="0">
                 <a:ln>
                   <a:noFill/>
                 </a:ln>
@@ -14402,7 +13759,128 @@
               </a:rPr>
             </a:br>
             <a:r>
-              <a:rPr kumimoji="0" lang="zh-CN" altLang="zh-CN" sz="1500" b="0" i="0" u="none" strike="noStrike" cap="none" normalizeH="0" baseline="0" dirty="0">
+              <a:rPr kumimoji="0" lang="en-US" altLang="zh-CN" sz="1300" b="0" i="0" u="none" strike="noStrike" cap="none" normalizeH="0" baseline="0" dirty="0">
+                <a:ln>
+                  <a:noFill/>
+                </a:ln>
+                <a:solidFill>
+                  <a:srgbClr val="A9B7C6"/>
+                </a:solidFill>
+                <a:effectLst/>
+                <a:latin typeface="宋体" panose="02010600030101010101" pitchFamily="2" charset="-122"/>
+                <a:ea typeface="宋体" panose="02010600030101010101" pitchFamily="2" charset="-122"/>
+              </a:rPr>
+              <a:t># </a:t>
+            </a:r>
+            <a:r>
+              <a:rPr kumimoji="0" lang="zh-CN" altLang="en-US" sz="1300" b="0" i="0" u="none" strike="noStrike" cap="none" normalizeH="0" baseline="0" dirty="0">
+                <a:ln>
+                  <a:noFill/>
+                </a:ln>
+                <a:solidFill>
+                  <a:srgbClr val="A9B7C6"/>
+                </a:solidFill>
+                <a:effectLst/>
+                <a:latin typeface="宋体" panose="02010600030101010101" pitchFamily="2" charset="-122"/>
+                <a:ea typeface="宋体" panose="02010600030101010101" pitchFamily="2" charset="-122"/>
+              </a:rPr>
+              <a:t>对</a:t>
+            </a:r>
+            <a:r>
+              <a:rPr lang="en-US" altLang="zh-CN" sz="1300" dirty="0">
+                <a:solidFill>
+                  <a:srgbClr val="A9B7C6"/>
+                </a:solidFill>
+                <a:latin typeface="宋体" panose="02010600030101010101" pitchFamily="2" charset="-122"/>
+                <a:ea typeface="宋体" panose="02010600030101010101" pitchFamily="2" charset="-122"/>
+              </a:rPr>
+              <a:t>_</a:t>
+            </a:r>
+            <a:r>
+              <a:rPr kumimoji="0" lang="en-US" altLang="zh-CN" sz="1300" b="0" i="0" u="none" strike="noStrike" cap="none" normalizeH="0" baseline="0" dirty="0">
+                <a:ln>
+                  <a:noFill/>
+                </a:ln>
+                <a:solidFill>
+                  <a:srgbClr val="A9B7C6"/>
+                </a:solidFill>
+                <a:effectLst/>
+                <a:latin typeface="宋体" panose="02010600030101010101" pitchFamily="2" charset="-122"/>
+                <a:ea typeface="宋体" panose="02010600030101010101" pitchFamily="2" charset="-122"/>
+              </a:rPr>
+              <a:t>str</a:t>
+            </a:r>
+            <a:r>
+              <a:rPr kumimoji="0" lang="zh-CN" altLang="en-US" sz="1300" b="0" i="0" u="none" strike="noStrike" cap="none" normalizeH="0" baseline="0" dirty="0">
+                <a:ln>
+                  <a:noFill/>
+                </a:ln>
+                <a:solidFill>
+                  <a:srgbClr val="A9B7C6"/>
+                </a:solidFill>
+                <a:effectLst/>
+                <a:latin typeface="宋体" panose="02010600030101010101" pitchFamily="2" charset="-122"/>
+                <a:ea typeface="宋体" panose="02010600030101010101" pitchFamily="2" charset="-122"/>
+              </a:rPr>
+              <a:t>字符计数</a:t>
+            </a:r>
+            <a:br>
+              <a:rPr kumimoji="0" lang="zh-CN" altLang="zh-CN" sz="1300" b="0" i="0" u="none" strike="noStrike" cap="none" normalizeH="0" baseline="0" dirty="0">
+                <a:ln>
+                  <a:noFill/>
+                </a:ln>
+                <a:solidFill>
+                  <a:srgbClr val="A9B7C6"/>
+                </a:solidFill>
+                <a:effectLst/>
+                <a:latin typeface="宋体" panose="02010600030101010101" pitchFamily="2" charset="-122"/>
+                <a:ea typeface="宋体" panose="02010600030101010101" pitchFamily="2" charset="-122"/>
+              </a:rPr>
+            </a:br>
+            <a:r>
+              <a:rPr kumimoji="0" lang="zh-CN" altLang="zh-CN" sz="1300" b="0" i="0" u="none" strike="noStrike" cap="none" normalizeH="0" baseline="0" dirty="0">
+                <a:ln>
+                  <a:noFill/>
+                </a:ln>
+                <a:solidFill>
+                  <a:srgbClr val="A9B7C6"/>
+                </a:solidFill>
+                <a:effectLst/>
+                <a:latin typeface="宋体" panose="02010600030101010101" pitchFamily="2" charset="-122"/>
+                <a:ea typeface="宋体" panose="02010600030101010101" pitchFamily="2" charset="-122"/>
+              </a:rPr>
+              <a:t>_str = </a:t>
+            </a:r>
+            <a:r>
+              <a:rPr kumimoji="0" lang="zh-CN" altLang="zh-CN" sz="1300" b="0" i="0" u="none" strike="noStrike" cap="none" normalizeH="0" baseline="0" dirty="0">
+                <a:ln>
+                  <a:noFill/>
+                </a:ln>
+                <a:solidFill>
+                  <a:srgbClr val="6A8759"/>
+                </a:solidFill>
+                <a:effectLst/>
+                <a:latin typeface="宋体" panose="02010600030101010101" pitchFamily="2" charset="-122"/>
+                <a:ea typeface="宋体" panose="02010600030101010101" pitchFamily="2" charset="-122"/>
+              </a:rPr>
+              <a:t>''</a:t>
+            </a:r>
+            <a:r>
+              <a:rPr kumimoji="0" lang="zh-CN" altLang="zh-CN" sz="1300" b="0" i="0" u="none" strike="noStrike" cap="none" normalizeH="0" baseline="0" dirty="0">
+                <a:ln>
+                  <a:noFill/>
+                </a:ln>
+                <a:solidFill>
+                  <a:srgbClr val="A9B7C6"/>
+                </a:solidFill>
+                <a:effectLst/>
+                <a:latin typeface="宋体" panose="02010600030101010101" pitchFamily="2" charset="-122"/>
+                <a:ea typeface="宋体" panose="02010600030101010101" pitchFamily="2" charset="-122"/>
+              </a:rPr>
+              <a:t>.join(random.choices(string.ascii_lowercase</a:t>
+            </a:r>
+            <a:r>
+              <a:rPr kumimoji="0" lang="zh-CN" altLang="zh-CN" sz="1300" b="0" i="0" u="none" strike="noStrike" cap="none" normalizeH="0" baseline="0" dirty="0">
                 <a:ln>
                   <a:noFill/>
                 </a:ln>
@@ -14413,260 +13891,52 @@
                 <a:latin typeface="宋体" panose="02010600030101010101" pitchFamily="2" charset="-122"/>
                 <a:ea typeface="宋体" panose="02010600030101010101" pitchFamily="2" charset="-122"/>
               </a:rPr>
-              <a:t>for </a:t>
-            </a:r>
-            <a:r>
-              <a:rPr kumimoji="0" lang="zh-CN" altLang="zh-CN" sz="1500" b="0" i="0" u="none" strike="noStrike" cap="none" normalizeH="0" baseline="0" dirty="0">
-                <a:ln>
-                  <a:noFill/>
-                </a:ln>
-                <a:solidFill>
-                  <a:srgbClr val="A9B7C6"/>
-                </a:solidFill>
-                <a:effectLst/>
-                <a:latin typeface="宋体" panose="02010600030101010101" pitchFamily="2" charset="-122"/>
-                <a:ea typeface="宋体" panose="02010600030101010101" pitchFamily="2" charset="-122"/>
-              </a:rPr>
-              <a:t>folder </a:t>
-            </a:r>
-            <a:r>
-              <a:rPr kumimoji="0" lang="zh-CN" altLang="zh-CN" sz="1500" b="0" i="0" u="none" strike="noStrike" cap="none" normalizeH="0" baseline="0" dirty="0">
-                <a:ln>
-                  <a:noFill/>
-                </a:ln>
-                <a:solidFill>
-                  <a:srgbClr val="CC7832"/>
-                </a:solidFill>
-                <a:effectLst/>
-                <a:latin typeface="宋体" panose="02010600030101010101" pitchFamily="2" charset="-122"/>
-                <a:ea typeface="宋体" panose="02010600030101010101" pitchFamily="2" charset="-122"/>
-              </a:rPr>
-              <a:t>in </a:t>
-            </a:r>
-            <a:r>
-              <a:rPr kumimoji="0" lang="zh-CN" altLang="zh-CN" sz="1500" b="0" i="0" u="none" strike="noStrike" cap="none" normalizeH="0" baseline="0" dirty="0">
-                <a:ln>
-                  <a:noFill/>
-                </a:ln>
-                <a:solidFill>
-                  <a:srgbClr val="A9B7C6"/>
-                </a:solidFill>
-                <a:effectLst/>
-                <a:latin typeface="宋体" panose="02010600030101010101" pitchFamily="2" charset="-122"/>
-                <a:ea typeface="宋体" panose="02010600030101010101" pitchFamily="2" charset="-122"/>
-              </a:rPr>
-              <a:t>os.listdir(UNIT_PATH):</a:t>
-            </a:r>
-            <a:br>
-              <a:rPr kumimoji="0" lang="zh-CN" altLang="zh-CN" sz="1500" b="0" i="0" u="none" strike="noStrike" cap="none" normalizeH="0" baseline="0" dirty="0">
-                <a:ln>
-                  <a:noFill/>
-                </a:ln>
-                <a:solidFill>
-                  <a:srgbClr val="A9B7C6"/>
-                </a:solidFill>
-                <a:effectLst/>
-                <a:latin typeface="宋体" panose="02010600030101010101" pitchFamily="2" charset="-122"/>
-                <a:ea typeface="宋体" panose="02010600030101010101" pitchFamily="2" charset="-122"/>
-              </a:rPr>
-            </a:br>
-            <a:r>
-              <a:rPr kumimoji="0" lang="zh-CN" altLang="zh-CN" sz="1500" b="0" i="0" u="none" strike="noStrike" cap="none" normalizeH="0" baseline="0" dirty="0">
-                <a:ln>
-                  <a:noFill/>
-                </a:ln>
-                <a:solidFill>
-                  <a:srgbClr val="A9B7C6"/>
-                </a:solidFill>
-                <a:effectLst/>
-                <a:latin typeface="宋体" panose="02010600030101010101" pitchFamily="2" charset="-122"/>
-                <a:ea typeface="宋体" panose="02010600030101010101" pitchFamily="2" charset="-122"/>
-              </a:rPr>
-              <a:t>    unit_content = jsonUtil.readJsonFile(os.path.join(UNIT_PATH</a:t>
-            </a:r>
-            <a:r>
-              <a:rPr kumimoji="0" lang="zh-CN" altLang="zh-CN" sz="1500" b="0" i="0" u="none" strike="noStrike" cap="none" normalizeH="0" baseline="0" dirty="0">
-                <a:ln>
-                  <a:noFill/>
-                </a:ln>
-                <a:solidFill>
-                  <a:srgbClr val="CC7832"/>
-                </a:solidFill>
-                <a:effectLst/>
-                <a:latin typeface="宋体" panose="02010600030101010101" pitchFamily="2" charset="-122"/>
-                <a:ea typeface="宋体" panose="02010600030101010101" pitchFamily="2" charset="-122"/>
-              </a:rPr>
               <a:t>, </a:t>
             </a:r>
             <a:r>
-              <a:rPr kumimoji="0" lang="zh-CN" altLang="zh-CN" sz="1500" b="0" i="0" u="none" strike="noStrike" cap="none" normalizeH="0" baseline="0" dirty="0">
-                <a:ln>
-                  <a:noFill/>
-                </a:ln>
-                <a:solidFill>
-                  <a:srgbClr val="A9B7C6"/>
-                </a:solidFill>
-                <a:effectLst/>
-                <a:latin typeface="宋体" panose="02010600030101010101" pitchFamily="2" charset="-122"/>
-                <a:ea typeface="宋体" panose="02010600030101010101" pitchFamily="2" charset="-122"/>
-              </a:rPr>
-              <a:t>folder</a:t>
-            </a:r>
-            <a:r>
-              <a:rPr kumimoji="0" lang="zh-CN" altLang="zh-CN" sz="1500" b="0" i="0" u="none" strike="noStrike" cap="none" normalizeH="0" baseline="0" dirty="0">
-                <a:ln>
-                  <a:noFill/>
-                </a:ln>
-                <a:solidFill>
-                  <a:srgbClr val="CC7832"/>
-                </a:solidFill>
-                <a:effectLst/>
-                <a:latin typeface="宋体" panose="02010600030101010101" pitchFamily="2" charset="-122"/>
-                <a:ea typeface="宋体" panose="02010600030101010101" pitchFamily="2" charset="-122"/>
-              </a:rPr>
-              <a:t>, </a:t>
-            </a:r>
-            <a:r>
-              <a:rPr kumimoji="0" lang="zh-CN" altLang="zh-CN" sz="1500" b="0" i="0" u="none" strike="noStrike" cap="none" normalizeH="0" baseline="0" dirty="0">
-                <a:ln>
-                  <a:noFill/>
-                </a:ln>
-                <a:solidFill>
-                  <a:srgbClr val="A9B7C6"/>
-                </a:solidFill>
-                <a:effectLst/>
-                <a:latin typeface="宋体" panose="02010600030101010101" pitchFamily="2" charset="-122"/>
-                <a:ea typeface="宋体" panose="02010600030101010101" pitchFamily="2" charset="-122"/>
-              </a:rPr>
-              <a:t>CONTENT_FILE_NAME))</a:t>
-            </a:r>
-            <a:br>
-              <a:rPr kumimoji="0" lang="zh-CN" altLang="zh-CN" sz="1500" b="0" i="0" u="none" strike="noStrike" cap="none" normalizeH="0" baseline="0" dirty="0">
-                <a:ln>
-                  <a:noFill/>
-                </a:ln>
-                <a:solidFill>
-                  <a:srgbClr val="A9B7C6"/>
-                </a:solidFill>
-                <a:effectLst/>
-                <a:latin typeface="宋体" panose="02010600030101010101" pitchFamily="2" charset="-122"/>
-                <a:ea typeface="宋体" panose="02010600030101010101" pitchFamily="2" charset="-122"/>
-              </a:rPr>
-            </a:br>
-            <a:r>
-              <a:rPr kumimoji="0" lang="zh-CN" altLang="zh-CN" sz="1500" b="0" i="0" u="none" strike="noStrike" cap="none" normalizeH="0" baseline="0" dirty="0">
-                <a:ln>
-                  <a:noFill/>
-                </a:ln>
-                <a:solidFill>
-                  <a:srgbClr val="A9B7C6"/>
-                </a:solidFill>
-                <a:effectLst/>
-                <a:latin typeface="宋体" panose="02010600030101010101" pitchFamily="2" charset="-122"/>
-                <a:ea typeface="宋体" panose="02010600030101010101" pitchFamily="2" charset="-122"/>
-              </a:rPr>
-              <a:t>    </a:t>
-            </a:r>
-            <a:r>
-              <a:rPr kumimoji="0" lang="zh-CN" altLang="zh-CN" sz="1500" b="0" i="0" u="none" strike="noStrike" cap="none" normalizeH="0" baseline="0" dirty="0">
-                <a:ln>
-                  <a:noFill/>
-                </a:ln>
-                <a:solidFill>
-                  <a:srgbClr val="94558D"/>
-                </a:solidFill>
-                <a:effectLst/>
-                <a:latin typeface="宋体" panose="02010600030101010101" pitchFamily="2" charset="-122"/>
-                <a:ea typeface="宋体" panose="02010600030101010101" pitchFamily="2" charset="-122"/>
-              </a:rPr>
-              <a:t>self</a:t>
-            </a:r>
-            <a:r>
-              <a:rPr kumimoji="0" lang="zh-CN" altLang="zh-CN" sz="1500" b="0" i="0" u="none" strike="noStrike" cap="none" normalizeH="0" baseline="0" dirty="0">
-                <a:ln>
-                  <a:noFill/>
-                </a:ln>
-                <a:solidFill>
-                  <a:srgbClr val="A9B7C6"/>
-                </a:solidFill>
-                <a:effectLst/>
-                <a:latin typeface="宋体" panose="02010600030101010101" pitchFamily="2" charset="-122"/>
-                <a:ea typeface="宋体" panose="02010600030101010101" pitchFamily="2" charset="-122"/>
-              </a:rPr>
-              <a:t>.unit_list_sort.setdefault(unit_content.get(</a:t>
-            </a:r>
-            <a:r>
-              <a:rPr kumimoji="0" lang="zh-CN" altLang="zh-CN" sz="1500" b="0" i="0" u="none" strike="noStrike" cap="none" normalizeH="0" baseline="0" dirty="0">
-                <a:ln>
-                  <a:noFill/>
-                </a:ln>
-                <a:solidFill>
-                  <a:srgbClr val="6A8759"/>
-                </a:solidFill>
-                <a:effectLst/>
-                <a:latin typeface="宋体" panose="02010600030101010101" pitchFamily="2" charset="-122"/>
-                <a:ea typeface="宋体" panose="02010600030101010101" pitchFamily="2" charset="-122"/>
-              </a:rPr>
-              <a:t>"unit_type"</a:t>
-            </a:r>
-            <a:r>
-              <a:rPr kumimoji="0" lang="zh-CN" altLang="zh-CN" sz="1500" b="0" i="0" u="none" strike="noStrike" cap="none" normalizeH="0" baseline="0" dirty="0">
-                <a:ln>
-                  <a:noFill/>
-                </a:ln>
-                <a:solidFill>
-                  <a:srgbClr val="A9B7C6"/>
-                </a:solidFill>
-                <a:effectLst/>
-                <a:latin typeface="宋体" panose="02010600030101010101" pitchFamily="2" charset="-122"/>
-                <a:ea typeface="宋体" panose="02010600030101010101" pitchFamily="2" charset="-122"/>
-              </a:rPr>
-              <a:t>)</a:t>
-            </a:r>
-            <a:r>
-              <a:rPr kumimoji="0" lang="zh-CN" altLang="zh-CN" sz="1500" b="0" i="0" u="none" strike="noStrike" cap="none" normalizeH="0" baseline="0" dirty="0">
-                <a:ln>
-                  <a:noFill/>
-                </a:ln>
-                <a:solidFill>
-                  <a:srgbClr val="CC7832"/>
-                </a:solidFill>
-                <a:effectLst/>
-                <a:latin typeface="宋体" panose="02010600030101010101" pitchFamily="2" charset="-122"/>
-                <a:ea typeface="宋体" panose="02010600030101010101" pitchFamily="2" charset="-122"/>
-              </a:rPr>
-              <a:t>, </a:t>
-            </a:r>
-            <a:r>
-              <a:rPr kumimoji="0" lang="zh-CN" altLang="zh-CN" sz="1500" b="0" i="0" u="none" strike="noStrike" cap="none" normalizeH="0" baseline="0" dirty="0">
-                <a:ln>
-                  <a:noFill/>
-                </a:ln>
-                <a:solidFill>
-                  <a:srgbClr val="A9B7C6"/>
-                </a:solidFill>
-                <a:effectLst/>
-                <a:latin typeface="宋体" panose="02010600030101010101" pitchFamily="2" charset="-122"/>
-                <a:ea typeface="宋体" panose="02010600030101010101" pitchFamily="2" charset="-122"/>
-              </a:rPr>
-              <a:t>[]).append(unit_content.get(</a:t>
-            </a:r>
-            <a:r>
-              <a:rPr kumimoji="0" lang="zh-CN" altLang="zh-CN" sz="1500" b="0" i="0" u="none" strike="noStrike" cap="none" normalizeH="0" baseline="0" dirty="0">
-                <a:ln>
-                  <a:noFill/>
-                </a:ln>
-                <a:solidFill>
-                  <a:srgbClr val="6A8759"/>
-                </a:solidFill>
-                <a:effectLst/>
-                <a:latin typeface="宋体" panose="02010600030101010101" pitchFamily="2" charset="-122"/>
-                <a:ea typeface="宋体" panose="02010600030101010101" pitchFamily="2" charset="-122"/>
-              </a:rPr>
-              <a:t>"content"</a:t>
-            </a:r>
-            <a:r>
-              <a:rPr kumimoji="0" lang="zh-CN" altLang="zh-CN" sz="1500" b="0" i="0" u="none" strike="noStrike" cap="none" normalizeH="0" baseline="0" dirty="0">
+              <a:rPr kumimoji="0" lang="zh-CN" altLang="zh-CN" sz="1300" b="0" i="0" u="none" strike="noStrike" cap="none" normalizeH="0" baseline="0" dirty="0">
+                <a:ln>
+                  <a:noFill/>
+                </a:ln>
+                <a:solidFill>
+                  <a:srgbClr val="AA4926"/>
+                </a:solidFill>
+                <a:effectLst/>
+                <a:latin typeface="宋体" panose="02010600030101010101" pitchFamily="2" charset="-122"/>
+                <a:ea typeface="宋体" panose="02010600030101010101" pitchFamily="2" charset="-122"/>
+              </a:rPr>
+              <a:t>k</a:t>
+            </a:r>
+            <a:r>
+              <a:rPr kumimoji="0" lang="zh-CN" altLang="zh-CN" sz="1300" b="0" i="0" u="none" strike="noStrike" cap="none" normalizeH="0" baseline="0" dirty="0">
+                <a:ln>
+                  <a:noFill/>
+                </a:ln>
+                <a:solidFill>
+                  <a:srgbClr val="A9B7C6"/>
+                </a:solidFill>
+                <a:effectLst/>
+                <a:latin typeface="宋体" panose="02010600030101010101" pitchFamily="2" charset="-122"/>
+                <a:ea typeface="宋体" panose="02010600030101010101" pitchFamily="2" charset="-122"/>
+              </a:rPr>
+              <a:t>=</a:t>
+            </a:r>
+            <a:r>
+              <a:rPr kumimoji="0" lang="zh-CN" altLang="zh-CN" sz="1300" b="0" i="0" u="none" strike="noStrike" cap="none" normalizeH="0" baseline="0" dirty="0">
+                <a:ln>
+                  <a:noFill/>
+                </a:ln>
+                <a:solidFill>
+                  <a:srgbClr val="6897BB"/>
+                </a:solidFill>
+                <a:effectLst/>
+                <a:latin typeface="宋体" panose="02010600030101010101" pitchFamily="2" charset="-122"/>
+                <a:ea typeface="宋体" panose="02010600030101010101" pitchFamily="2" charset="-122"/>
+              </a:rPr>
+              <a:t>20</a:t>
+            </a:r>
+            <a:r>
+              <a:rPr kumimoji="0" lang="zh-CN" altLang="zh-CN" sz="1300" b="0" i="0" u="none" strike="noStrike" cap="none" normalizeH="0" baseline="0" dirty="0">
                 <a:ln>
                   <a:noFill/>
                 </a:ln>
@@ -14694,10 +13964,10 @@
       </p:sp>
       <p:sp>
         <p:nvSpPr>
-          <p:cNvPr id="7" name="Rectangle 4">
+          <p:cNvPr id="11" name="Rectangle 5">
             <a:extLst>
               <a:ext uri="{FF2B5EF4-FFF2-40B4-BE49-F238E27FC236}">
-                <a16:creationId xmlns:a16="http://schemas.microsoft.com/office/drawing/2014/main" id="{246B2D80-00AB-4684-811E-32D0CDA2BCFA}"/>
+                <a16:creationId xmlns:a16="http://schemas.microsoft.com/office/drawing/2014/main" id="{12F74EBF-24B1-4784-9525-2E0B6E7A7F44}"/>
               </a:ext>
             </a:extLst>
           </p:cNvPr>
@@ -14708,8 +13978,8 @@
         </p:nvSpPr>
         <p:spPr bwMode="auto">
           <a:xfrm>
-            <a:off x="1141413" y="5168554"/>
-            <a:ext cx="10284310" cy="1246495"/>
+            <a:off x="963829" y="2635231"/>
+            <a:ext cx="2420682" cy="2092881"/>
           </a:xfrm>
           <a:prstGeom prst="rect">
             <a:avLst/>
@@ -14769,7 +14039,7 @@
               <a:tabLst/>
             </a:pPr>
             <a:r>
-              <a:rPr kumimoji="0" lang="zh-CN" altLang="zh-CN" sz="1500" b="0" i="0" u="none" strike="noStrike" cap="none" normalizeH="0" baseline="0" dirty="0">
+              <a:rPr kumimoji="0" lang="zh-CN" altLang="zh-CN" sz="1300" b="0" i="0" u="none" strike="noStrike" cap="none" normalizeH="0" baseline="0" dirty="0">
                 <a:ln>
                   <a:noFill/>
                 </a:ln>
@@ -14780,10 +14050,10 @@
                 <a:latin typeface="宋体" panose="02010600030101010101" pitchFamily="2" charset="-122"/>
                 <a:ea typeface="宋体" panose="02010600030101010101" pitchFamily="2" charset="-122"/>
               </a:rPr>
-              <a:t># collections.defaultdict()</a:t>
+              <a:t># usual</a:t>
             </a:r>
             <a:br>
-              <a:rPr kumimoji="0" lang="zh-CN" altLang="zh-CN" sz="1500" b="0" i="0" u="none" strike="noStrike" cap="none" normalizeH="0" baseline="0" dirty="0">
+              <a:rPr kumimoji="0" lang="zh-CN" altLang="zh-CN" sz="1300" b="0" i="0" u="none" strike="noStrike" cap="none" normalizeH="0" baseline="0" dirty="0">
                 <a:ln>
                   <a:noFill/>
                 </a:ln>
@@ -14796,35 +14066,240 @@
               </a:rPr>
             </a:br>
             <a:r>
-              <a:rPr kumimoji="0" lang="zh-CN" altLang="zh-CN" sz="1500" b="0" i="0" u="none" strike="noStrike" cap="none" normalizeH="0" baseline="0" dirty="0">
-                <a:ln>
-                  <a:noFill/>
-                </a:ln>
-                <a:solidFill>
-                  <a:srgbClr val="94558D"/>
-                </a:solidFill>
-                <a:effectLst/>
-                <a:latin typeface="宋体" panose="02010600030101010101" pitchFamily="2" charset="-122"/>
-                <a:ea typeface="宋体" panose="02010600030101010101" pitchFamily="2" charset="-122"/>
-              </a:rPr>
-              <a:t>self</a:t>
-            </a:r>
-            <a:r>
-              <a:rPr kumimoji="0" lang="zh-CN" altLang="zh-CN" sz="1500" b="0" i="0" u="none" strike="noStrike" cap="none" normalizeH="0" baseline="0" dirty="0">
-                <a:ln>
-                  <a:noFill/>
-                </a:ln>
-                <a:solidFill>
-                  <a:srgbClr val="A9B7C6"/>
-                </a:solidFill>
-                <a:effectLst/>
-                <a:latin typeface="宋体" panose="02010600030101010101" pitchFamily="2" charset="-122"/>
-                <a:ea typeface="宋体" panose="02010600030101010101" pitchFamily="2" charset="-122"/>
-              </a:rPr>
-              <a:t>.unit_list_sort = collections.defaultdict(</a:t>
-            </a:r>
-            <a:r>
-              <a:rPr kumimoji="0" lang="zh-CN" altLang="zh-CN" sz="1500" b="0" i="0" u="none" strike="noStrike" cap="none" normalizeH="0" baseline="0" dirty="0">
+              <a:rPr kumimoji="0" lang="zh-CN" altLang="zh-CN" sz="1300" b="0" i="0" u="none" strike="noStrike" cap="none" normalizeH="0" baseline="0" dirty="0">
+                <a:ln>
+                  <a:noFill/>
+                </a:ln>
+                <a:solidFill>
+                  <a:srgbClr val="A9B7C6"/>
+                </a:solidFill>
+                <a:effectLst/>
+                <a:latin typeface="宋体" panose="02010600030101010101" pitchFamily="2" charset="-122"/>
+                <a:ea typeface="宋体" panose="02010600030101010101" pitchFamily="2" charset="-122"/>
+              </a:rPr>
+              <a:t>counter = {}</a:t>
+            </a:r>
+            <a:br>
+              <a:rPr kumimoji="0" lang="zh-CN" altLang="zh-CN" sz="1300" b="0" i="0" u="none" strike="noStrike" cap="none" normalizeH="0" baseline="0" dirty="0">
+                <a:ln>
+                  <a:noFill/>
+                </a:ln>
+                <a:solidFill>
+                  <a:srgbClr val="A9B7C6"/>
+                </a:solidFill>
+                <a:effectLst/>
+                <a:latin typeface="宋体" panose="02010600030101010101" pitchFamily="2" charset="-122"/>
+                <a:ea typeface="宋体" panose="02010600030101010101" pitchFamily="2" charset="-122"/>
+              </a:rPr>
+            </a:br>
+            <a:br>
+              <a:rPr kumimoji="0" lang="zh-CN" altLang="zh-CN" sz="1300" b="0" i="0" u="none" strike="noStrike" cap="none" normalizeH="0" baseline="0" dirty="0">
+                <a:ln>
+                  <a:noFill/>
+                </a:ln>
+                <a:solidFill>
+                  <a:srgbClr val="A9B7C6"/>
+                </a:solidFill>
+                <a:effectLst/>
+                <a:latin typeface="宋体" panose="02010600030101010101" pitchFamily="2" charset="-122"/>
+                <a:ea typeface="宋体" panose="02010600030101010101" pitchFamily="2" charset="-122"/>
+              </a:rPr>
+            </a:br>
+            <a:r>
+              <a:rPr kumimoji="0" lang="zh-CN" altLang="zh-CN" sz="1300" b="0" i="0" u="none" strike="noStrike" cap="none" normalizeH="0" baseline="0" dirty="0">
+                <a:ln>
+                  <a:noFill/>
+                </a:ln>
+                <a:solidFill>
+                  <a:srgbClr val="CC7832"/>
+                </a:solidFill>
+                <a:effectLst/>
+                <a:latin typeface="宋体" panose="02010600030101010101" pitchFamily="2" charset="-122"/>
+                <a:ea typeface="宋体" panose="02010600030101010101" pitchFamily="2" charset="-122"/>
+              </a:rPr>
+              <a:t>for </a:t>
+            </a:r>
+            <a:r>
+              <a:rPr kumimoji="0" lang="zh-CN" altLang="zh-CN" sz="1300" b="0" i="0" u="none" strike="noStrike" cap="none" normalizeH="0" baseline="0" dirty="0">
+                <a:ln>
+                  <a:noFill/>
+                </a:ln>
+                <a:solidFill>
+                  <a:srgbClr val="A9B7C6"/>
+                </a:solidFill>
+                <a:effectLst/>
+                <a:latin typeface="宋体" panose="02010600030101010101" pitchFamily="2" charset="-122"/>
+                <a:ea typeface="宋体" panose="02010600030101010101" pitchFamily="2" charset="-122"/>
+              </a:rPr>
+              <a:t>s </a:t>
+            </a:r>
+            <a:r>
+              <a:rPr kumimoji="0" lang="zh-CN" altLang="zh-CN" sz="1300" b="0" i="0" u="none" strike="noStrike" cap="none" normalizeH="0" baseline="0" dirty="0">
+                <a:ln>
+                  <a:noFill/>
+                </a:ln>
+                <a:solidFill>
+                  <a:srgbClr val="CC7832"/>
+                </a:solidFill>
+                <a:effectLst/>
+                <a:latin typeface="宋体" panose="02010600030101010101" pitchFamily="2" charset="-122"/>
+                <a:ea typeface="宋体" panose="02010600030101010101" pitchFamily="2" charset="-122"/>
+              </a:rPr>
+              <a:t>in </a:t>
+            </a:r>
+            <a:r>
+              <a:rPr kumimoji="0" lang="zh-CN" altLang="zh-CN" sz="1300" b="0" i="0" u="none" strike="noStrike" cap="none" normalizeH="0" baseline="0" dirty="0">
+                <a:ln>
+                  <a:noFill/>
+                </a:ln>
+                <a:solidFill>
+                  <a:srgbClr val="A9B7C6"/>
+                </a:solidFill>
+                <a:effectLst/>
+                <a:latin typeface="宋体" panose="02010600030101010101" pitchFamily="2" charset="-122"/>
+                <a:ea typeface="宋体" panose="02010600030101010101" pitchFamily="2" charset="-122"/>
+              </a:rPr>
+              <a:t>_str:</a:t>
+            </a:r>
+            <a:br>
+              <a:rPr kumimoji="0" lang="zh-CN" altLang="zh-CN" sz="1300" b="0" i="0" u="none" strike="noStrike" cap="none" normalizeH="0" baseline="0" dirty="0">
+                <a:ln>
+                  <a:noFill/>
+                </a:ln>
+                <a:solidFill>
+                  <a:srgbClr val="A9B7C6"/>
+                </a:solidFill>
+                <a:effectLst/>
+                <a:latin typeface="宋体" panose="02010600030101010101" pitchFamily="2" charset="-122"/>
+                <a:ea typeface="宋体" panose="02010600030101010101" pitchFamily="2" charset="-122"/>
+              </a:rPr>
+            </a:br>
+            <a:r>
+              <a:rPr kumimoji="0" lang="zh-CN" altLang="zh-CN" sz="1300" b="0" i="0" u="none" strike="noStrike" cap="none" normalizeH="0" baseline="0" dirty="0">
+                <a:ln>
+                  <a:noFill/>
+                </a:ln>
+                <a:solidFill>
+                  <a:srgbClr val="A9B7C6"/>
+                </a:solidFill>
+                <a:effectLst/>
+                <a:latin typeface="宋体" panose="02010600030101010101" pitchFamily="2" charset="-122"/>
+                <a:ea typeface="宋体" panose="02010600030101010101" pitchFamily="2" charset="-122"/>
+              </a:rPr>
+              <a:t>    </a:t>
+            </a:r>
+            <a:r>
+              <a:rPr kumimoji="0" lang="zh-CN" altLang="zh-CN" sz="1300" b="0" i="0" u="none" strike="noStrike" cap="none" normalizeH="0" baseline="0" dirty="0">
+                <a:ln>
+                  <a:noFill/>
+                </a:ln>
+                <a:solidFill>
+                  <a:srgbClr val="CC7832"/>
+                </a:solidFill>
+                <a:effectLst/>
+                <a:latin typeface="宋体" panose="02010600030101010101" pitchFamily="2" charset="-122"/>
+                <a:ea typeface="宋体" panose="02010600030101010101" pitchFamily="2" charset="-122"/>
+              </a:rPr>
+              <a:t>try</a:t>
+            </a:r>
+            <a:r>
+              <a:rPr kumimoji="0" lang="zh-CN" altLang="zh-CN" sz="1300" b="0" i="0" u="none" strike="noStrike" cap="none" normalizeH="0" baseline="0" dirty="0">
+                <a:ln>
+                  <a:noFill/>
+                </a:ln>
+                <a:solidFill>
+                  <a:srgbClr val="A9B7C6"/>
+                </a:solidFill>
+                <a:effectLst/>
+                <a:latin typeface="宋体" panose="02010600030101010101" pitchFamily="2" charset="-122"/>
+                <a:ea typeface="宋体" panose="02010600030101010101" pitchFamily="2" charset="-122"/>
+              </a:rPr>
+              <a:t>:</a:t>
+            </a:r>
+            <a:br>
+              <a:rPr kumimoji="0" lang="zh-CN" altLang="zh-CN" sz="1300" b="0" i="0" u="none" strike="noStrike" cap="none" normalizeH="0" baseline="0" dirty="0">
+                <a:ln>
+                  <a:noFill/>
+                </a:ln>
+                <a:solidFill>
+                  <a:srgbClr val="A9B7C6"/>
+                </a:solidFill>
+                <a:effectLst/>
+                <a:latin typeface="宋体" panose="02010600030101010101" pitchFamily="2" charset="-122"/>
+                <a:ea typeface="宋体" panose="02010600030101010101" pitchFamily="2" charset="-122"/>
+              </a:rPr>
+            </a:br>
+            <a:r>
+              <a:rPr kumimoji="0" lang="zh-CN" altLang="zh-CN" sz="1300" b="0" i="0" u="none" strike="noStrike" cap="none" normalizeH="0" baseline="0" dirty="0">
+                <a:ln>
+                  <a:noFill/>
+                </a:ln>
+                <a:solidFill>
+                  <a:srgbClr val="A9B7C6"/>
+                </a:solidFill>
+                <a:effectLst/>
+                <a:latin typeface="宋体" panose="02010600030101010101" pitchFamily="2" charset="-122"/>
+                <a:ea typeface="宋体" panose="02010600030101010101" pitchFamily="2" charset="-122"/>
+              </a:rPr>
+              <a:t>        counter[s] += </a:t>
+            </a:r>
+            <a:r>
+              <a:rPr kumimoji="0" lang="zh-CN" altLang="zh-CN" sz="1300" b="0" i="0" u="none" strike="noStrike" cap="none" normalizeH="0" baseline="0" dirty="0">
+                <a:ln>
+                  <a:noFill/>
+                </a:ln>
+                <a:solidFill>
+                  <a:srgbClr val="6897BB"/>
+                </a:solidFill>
+                <a:effectLst/>
+                <a:latin typeface="宋体" panose="02010600030101010101" pitchFamily="2" charset="-122"/>
+                <a:ea typeface="宋体" panose="02010600030101010101" pitchFamily="2" charset="-122"/>
+              </a:rPr>
+              <a:t>1</a:t>
+            </a:r>
+            <a:br>
+              <a:rPr kumimoji="0" lang="zh-CN" altLang="zh-CN" sz="1300" b="0" i="0" u="none" strike="noStrike" cap="none" normalizeH="0" baseline="0" dirty="0">
+                <a:ln>
+                  <a:noFill/>
+                </a:ln>
+                <a:solidFill>
+                  <a:srgbClr val="6897BB"/>
+                </a:solidFill>
+                <a:effectLst/>
+                <a:latin typeface="宋体" panose="02010600030101010101" pitchFamily="2" charset="-122"/>
+                <a:ea typeface="宋体" panose="02010600030101010101" pitchFamily="2" charset="-122"/>
+              </a:rPr>
+            </a:br>
+            <a:r>
+              <a:rPr kumimoji="0" lang="zh-CN" altLang="zh-CN" sz="1300" b="0" i="0" u="none" strike="noStrike" cap="none" normalizeH="0" baseline="0" dirty="0">
+                <a:ln>
+                  <a:noFill/>
+                </a:ln>
+                <a:solidFill>
+                  <a:srgbClr val="6897BB"/>
+                </a:solidFill>
+                <a:effectLst/>
+                <a:latin typeface="宋体" panose="02010600030101010101" pitchFamily="2" charset="-122"/>
+                <a:ea typeface="宋体" panose="02010600030101010101" pitchFamily="2" charset="-122"/>
+              </a:rPr>
+              <a:t>    </a:t>
+            </a:r>
+            <a:r>
+              <a:rPr kumimoji="0" lang="zh-CN" altLang="zh-CN" sz="1300" b="0" i="0" u="none" strike="noStrike" cap="none" normalizeH="0" baseline="0" dirty="0">
+                <a:ln>
+                  <a:noFill/>
+                </a:ln>
+                <a:solidFill>
+                  <a:srgbClr val="CC7832"/>
+                </a:solidFill>
+                <a:effectLst/>
+                <a:latin typeface="宋体" panose="02010600030101010101" pitchFamily="2" charset="-122"/>
+                <a:ea typeface="宋体" panose="02010600030101010101" pitchFamily="2" charset="-122"/>
+              </a:rPr>
+              <a:t>except </a:t>
+            </a:r>
+            <a:r>
+              <a:rPr kumimoji="0" lang="zh-CN" altLang="zh-CN" sz="1300" b="0" i="0" u="none" strike="noStrike" cap="none" normalizeH="0" baseline="0" dirty="0">
                 <a:ln>
                   <a:noFill/>
                 </a:ln>
@@ -14835,10 +14310,401 @@
                 <a:latin typeface="宋体" panose="02010600030101010101" pitchFamily="2" charset="-122"/>
                 <a:ea typeface="宋体" panose="02010600030101010101" pitchFamily="2" charset="-122"/>
               </a:rPr>
-              <a:t>list</a:t>
-            </a:r>
-            <a:r>
-              <a:rPr kumimoji="0" lang="zh-CN" altLang="zh-CN" sz="1500" b="0" i="0" u="none" strike="noStrike" cap="none" normalizeH="0" baseline="0" dirty="0">
+              <a:t>KeyError</a:t>
+            </a:r>
+            <a:r>
+              <a:rPr kumimoji="0" lang="zh-CN" altLang="zh-CN" sz="1300" b="0" i="0" u="none" strike="noStrike" cap="none" normalizeH="0" baseline="0" dirty="0">
+                <a:ln>
+                  <a:noFill/>
+                </a:ln>
+                <a:solidFill>
+                  <a:srgbClr val="A9B7C6"/>
+                </a:solidFill>
+                <a:effectLst/>
+                <a:latin typeface="宋体" panose="02010600030101010101" pitchFamily="2" charset="-122"/>
+                <a:ea typeface="宋体" panose="02010600030101010101" pitchFamily="2" charset="-122"/>
+              </a:rPr>
+              <a:t>:</a:t>
+            </a:r>
+            <a:br>
+              <a:rPr kumimoji="0" lang="zh-CN" altLang="zh-CN" sz="1300" b="0" i="0" u="none" strike="noStrike" cap="none" normalizeH="0" baseline="0" dirty="0">
+                <a:ln>
+                  <a:noFill/>
+                </a:ln>
+                <a:solidFill>
+                  <a:srgbClr val="A9B7C6"/>
+                </a:solidFill>
+                <a:effectLst/>
+                <a:latin typeface="宋体" panose="02010600030101010101" pitchFamily="2" charset="-122"/>
+                <a:ea typeface="宋体" panose="02010600030101010101" pitchFamily="2" charset="-122"/>
+              </a:rPr>
+            </a:br>
+            <a:r>
+              <a:rPr kumimoji="0" lang="zh-CN" altLang="zh-CN" sz="1300" b="0" i="0" u="none" strike="noStrike" cap="none" normalizeH="0" baseline="0" dirty="0">
+                <a:ln>
+                  <a:noFill/>
+                </a:ln>
+                <a:solidFill>
+                  <a:srgbClr val="A9B7C6"/>
+                </a:solidFill>
+                <a:effectLst/>
+                <a:latin typeface="宋体" panose="02010600030101010101" pitchFamily="2" charset="-122"/>
+                <a:ea typeface="宋体" panose="02010600030101010101" pitchFamily="2" charset="-122"/>
+              </a:rPr>
+              <a:t>        counter[s] = </a:t>
+            </a:r>
+            <a:r>
+              <a:rPr kumimoji="0" lang="zh-CN" altLang="zh-CN" sz="1300" b="0" i="0" u="none" strike="noStrike" cap="none" normalizeH="0" baseline="0" dirty="0">
+                <a:ln>
+                  <a:noFill/>
+                </a:ln>
+                <a:solidFill>
+                  <a:srgbClr val="6897BB"/>
+                </a:solidFill>
+                <a:effectLst/>
+                <a:latin typeface="宋体" panose="02010600030101010101" pitchFamily="2" charset="-122"/>
+                <a:ea typeface="宋体" panose="02010600030101010101" pitchFamily="2" charset="-122"/>
+              </a:rPr>
+              <a:t>1</a:t>
+            </a:r>
+            <a:endParaRPr kumimoji="0" lang="en-US" altLang="zh-CN" sz="1300" b="0" i="0" u="none" strike="noStrike" cap="none" normalizeH="0" baseline="0" dirty="0">
+              <a:ln>
+                <a:noFill/>
+              </a:ln>
+              <a:solidFill>
+                <a:srgbClr val="6897BB"/>
+              </a:solidFill>
+              <a:effectLst/>
+              <a:latin typeface="宋体" panose="02010600030101010101" pitchFamily="2" charset="-122"/>
+              <a:ea typeface="宋体" panose="02010600030101010101" pitchFamily="2" charset="-122"/>
+            </a:endParaRPr>
+          </a:p>
+          <a:p>
+            <a:pPr marL="0" marR="0" lvl="0" indent="0" algn="l" defTabSz="914400" rtl="0" eaLnBrk="0" fontAlgn="base" latinLnBrk="0" hangingPunct="0">
+              <a:lnSpc>
+                <a:spcPct val="100000"/>
+              </a:lnSpc>
+              <a:spcBef>
+                <a:spcPct val="0"/>
+              </a:spcBef>
+              <a:spcAft>
+                <a:spcPct val="0"/>
+              </a:spcAft>
+              <a:buClrTx/>
+              <a:buSzTx/>
+              <a:buFontTx/>
+              <a:buNone/>
+              <a:tabLst/>
+            </a:pPr>
+            <a:endParaRPr lang="en-US" altLang="zh-CN" sz="1300" dirty="0">
+              <a:solidFill>
+                <a:srgbClr val="6897BB"/>
+              </a:solidFill>
+              <a:latin typeface="宋体" panose="02010600030101010101" pitchFamily="2" charset="-122"/>
+              <a:ea typeface="宋体" panose="02010600030101010101" pitchFamily="2" charset="-122"/>
+            </a:endParaRPr>
+          </a:p>
+          <a:p>
+            <a:pPr marL="0" marR="0" lvl="0" indent="0" algn="l" defTabSz="914400" rtl="0" eaLnBrk="0" fontAlgn="base" latinLnBrk="0" hangingPunct="0">
+              <a:lnSpc>
+                <a:spcPct val="100000"/>
+              </a:lnSpc>
+              <a:spcBef>
+                <a:spcPct val="0"/>
+              </a:spcBef>
+              <a:spcAft>
+                <a:spcPct val="0"/>
+              </a:spcAft>
+              <a:buClrTx/>
+              <a:buSzTx/>
+              <a:buFontTx/>
+              <a:buNone/>
+              <a:tabLst/>
+            </a:pPr>
+            <a:r>
+              <a:rPr kumimoji="0" lang="zh-CN" altLang="zh-CN" sz="1300" b="0" i="0" u="none" strike="noStrike" cap="none" normalizeH="0" baseline="0" dirty="0">
+                <a:ln>
+                  <a:noFill/>
+                </a:ln>
+                <a:solidFill>
+                  <a:srgbClr val="8888C6"/>
+                </a:solidFill>
+                <a:effectLst/>
+                <a:latin typeface="宋体" panose="02010600030101010101" pitchFamily="2" charset="-122"/>
+                <a:ea typeface="宋体" panose="02010600030101010101" pitchFamily="2" charset="-122"/>
+              </a:rPr>
+              <a:t>print</a:t>
+            </a:r>
+            <a:r>
+              <a:rPr kumimoji="0" lang="zh-CN" altLang="zh-CN" sz="1300" b="0" i="0" u="none" strike="noStrike" cap="none" normalizeH="0" baseline="0" dirty="0">
+                <a:ln>
+                  <a:noFill/>
+                </a:ln>
+                <a:solidFill>
+                  <a:srgbClr val="A9B7C6"/>
+                </a:solidFill>
+                <a:effectLst/>
+                <a:latin typeface="宋体" panose="02010600030101010101" pitchFamily="2" charset="-122"/>
+                <a:ea typeface="宋体" panose="02010600030101010101" pitchFamily="2" charset="-122"/>
+              </a:rPr>
+              <a:t>(counter)</a:t>
+            </a:r>
+            <a:endParaRPr kumimoji="0" lang="zh-CN" altLang="zh-CN" sz="1300" b="0" i="0" u="none" strike="noStrike" cap="none" normalizeH="0" baseline="0" dirty="0">
+              <a:ln>
+                <a:noFill/>
+              </a:ln>
+              <a:solidFill>
+                <a:schemeClr val="tx1"/>
+              </a:solidFill>
+              <a:effectLst/>
+              <a:latin typeface="Arial" panose="020B0604020202020204" pitchFamily="34" charset="0"/>
+            </a:endParaRPr>
+          </a:p>
+        </p:txBody>
+      </p:sp>
+      <p:sp>
+        <p:nvSpPr>
+          <p:cNvPr id="18" name="Rectangle 10">
+            <a:extLst>
+              <a:ext uri="{FF2B5EF4-FFF2-40B4-BE49-F238E27FC236}">
+                <a16:creationId xmlns:a16="http://schemas.microsoft.com/office/drawing/2014/main" id="{51C88B2E-FB59-4AB7-A7AF-C9C99EEF13A8}"/>
+              </a:ext>
+            </a:extLst>
+          </p:cNvPr>
+          <p:cNvSpPr>
+            <a:spLocks noChangeArrowheads="1"/>
+          </p:cNvSpPr>
+          <p:nvPr/>
+        </p:nvSpPr>
+        <p:spPr bwMode="auto">
+          <a:xfrm>
+            <a:off x="4067299" y="2635231"/>
+            <a:ext cx="2671948" cy="1492716"/>
+          </a:xfrm>
+          <a:prstGeom prst="rect">
+            <a:avLst/>
+          </a:prstGeom>
+          <a:solidFill>
+            <a:srgbClr val="2B2B2B"/>
+          </a:solidFill>
+          <a:ln>
+            <a:noFill/>
+          </a:ln>
+          <a:effectLst/>
+          <a:extLst>
+            <a:ext uri="{91240B29-F687-4F45-9708-019B960494DF}">
+              <a14:hiddenLine xmlns:a14="http://schemas.microsoft.com/office/drawing/2010/main" w="9525">
+                <a:solidFill>
+                  <a:schemeClr val="tx1"/>
+                </a:solidFill>
+                <a:miter lim="800000"/>
+                <a:headEnd/>
+                <a:tailEnd/>
+              </a14:hiddenLine>
+            </a:ext>
+            <a:ext uri="{AF507438-7753-43E0-B8FC-AC1667EBCBE1}">
+              <a14:hiddenEffects xmlns:a14="http://schemas.microsoft.com/office/drawing/2010/main">
+                <a:effectLst>
+                  <a:outerShdw dist="35921" dir="2700000" algn="ctr" rotWithShape="0">
+                    <a:schemeClr val="bg2"/>
+                  </a:outerShdw>
+                </a:effectLst>
+              </a14:hiddenEffects>
+            </a:ext>
+          </a:extLst>
+        </p:spPr>
+        <p:txBody>
+          <a:bodyPr vert="horz" wrap="square" lIns="91440" tIns="45720" rIns="91440" bIns="45720" numCol="1" anchor="ctr" anchorCtr="0" compatLnSpc="1">
+            <a:prstTxWarp prst="textNoShape">
+              <a:avLst/>
+            </a:prstTxWarp>
+            <a:spAutoFit/>
+          </a:bodyPr>
+          <a:lstStyle/>
+          <a:p>
+            <a:pPr marL="0" marR="0" lvl="0" indent="0" algn="l" defTabSz="914400" rtl="0" eaLnBrk="0" fontAlgn="base" latinLnBrk="0" hangingPunct="0">
+              <a:lnSpc>
+                <a:spcPct val="100000"/>
+              </a:lnSpc>
+              <a:spcBef>
+                <a:spcPct val="0"/>
+              </a:spcBef>
+              <a:spcAft>
+                <a:spcPct val="0"/>
+              </a:spcAft>
+              <a:buClrTx/>
+              <a:buSzTx/>
+              <a:buFontTx/>
+              <a:buNone/>
+              <a:tabLst/>
+            </a:pPr>
+            <a:r>
+              <a:rPr kumimoji="0" lang="zh-CN" altLang="zh-CN" sz="1300" b="0" i="0" u="none" strike="noStrike" cap="none" normalizeH="0" baseline="0" dirty="0">
+                <a:ln>
+                  <a:noFill/>
+                </a:ln>
+                <a:solidFill>
+                  <a:srgbClr val="808080"/>
+                </a:solidFill>
+                <a:effectLst/>
+                <a:latin typeface="宋体" panose="02010600030101010101" pitchFamily="2" charset="-122"/>
+                <a:ea typeface="宋体" panose="02010600030101010101" pitchFamily="2" charset="-122"/>
+              </a:rPr>
+              <a:t># setdefault</a:t>
+            </a:r>
+            <a:br>
+              <a:rPr kumimoji="0" lang="zh-CN" altLang="zh-CN" sz="1300" b="0" i="0" u="none" strike="noStrike" cap="none" normalizeH="0" baseline="0" dirty="0">
+                <a:ln>
+                  <a:noFill/>
+                </a:ln>
+                <a:solidFill>
+                  <a:srgbClr val="808080"/>
+                </a:solidFill>
+                <a:effectLst/>
+                <a:latin typeface="宋体" panose="02010600030101010101" pitchFamily="2" charset="-122"/>
+                <a:ea typeface="宋体" panose="02010600030101010101" pitchFamily="2" charset="-122"/>
+              </a:rPr>
+            </a:br>
+            <a:r>
+              <a:rPr kumimoji="0" lang="zh-CN" altLang="zh-CN" sz="1300" b="0" i="0" u="none" strike="noStrike" cap="none" normalizeH="0" baseline="0" dirty="0">
+                <a:ln>
+                  <a:noFill/>
+                </a:ln>
+                <a:solidFill>
+                  <a:srgbClr val="A9B7C6"/>
+                </a:solidFill>
+                <a:effectLst/>
+                <a:latin typeface="宋体" panose="02010600030101010101" pitchFamily="2" charset="-122"/>
+                <a:ea typeface="宋体" panose="02010600030101010101" pitchFamily="2" charset="-122"/>
+              </a:rPr>
+              <a:t>counter = {}</a:t>
+            </a:r>
+            <a:br>
+              <a:rPr kumimoji="0" lang="zh-CN" altLang="zh-CN" sz="1300" b="0" i="0" u="none" strike="noStrike" cap="none" normalizeH="0" baseline="0" dirty="0">
+                <a:ln>
+                  <a:noFill/>
+                </a:ln>
+                <a:solidFill>
+                  <a:srgbClr val="A9B7C6"/>
+                </a:solidFill>
+                <a:effectLst/>
+                <a:latin typeface="宋体" panose="02010600030101010101" pitchFamily="2" charset="-122"/>
+                <a:ea typeface="宋体" panose="02010600030101010101" pitchFamily="2" charset="-122"/>
+              </a:rPr>
+            </a:br>
+            <a:r>
+              <a:rPr kumimoji="0" lang="zh-CN" altLang="zh-CN" sz="1300" b="0" i="0" u="none" strike="noStrike" cap="none" normalizeH="0" baseline="0" dirty="0">
+                <a:ln>
+                  <a:noFill/>
+                </a:ln>
+                <a:solidFill>
+                  <a:srgbClr val="CC7832"/>
+                </a:solidFill>
+                <a:effectLst/>
+                <a:latin typeface="宋体" panose="02010600030101010101" pitchFamily="2" charset="-122"/>
+                <a:ea typeface="宋体" panose="02010600030101010101" pitchFamily="2" charset="-122"/>
+              </a:rPr>
+              <a:t>for </a:t>
+            </a:r>
+            <a:r>
+              <a:rPr kumimoji="0" lang="zh-CN" altLang="zh-CN" sz="1300" b="0" i="0" u="none" strike="noStrike" cap="none" normalizeH="0" baseline="0" dirty="0">
+                <a:ln>
+                  <a:noFill/>
+                </a:ln>
+                <a:solidFill>
+                  <a:srgbClr val="A9B7C6"/>
+                </a:solidFill>
+                <a:effectLst/>
+                <a:latin typeface="宋体" panose="02010600030101010101" pitchFamily="2" charset="-122"/>
+                <a:ea typeface="宋体" panose="02010600030101010101" pitchFamily="2" charset="-122"/>
+              </a:rPr>
+              <a:t>s </a:t>
+            </a:r>
+            <a:r>
+              <a:rPr kumimoji="0" lang="zh-CN" altLang="zh-CN" sz="1300" b="0" i="0" u="none" strike="noStrike" cap="none" normalizeH="0" baseline="0" dirty="0">
+                <a:ln>
+                  <a:noFill/>
+                </a:ln>
+                <a:solidFill>
+                  <a:srgbClr val="CC7832"/>
+                </a:solidFill>
+                <a:effectLst/>
+                <a:latin typeface="宋体" panose="02010600030101010101" pitchFamily="2" charset="-122"/>
+                <a:ea typeface="宋体" panose="02010600030101010101" pitchFamily="2" charset="-122"/>
+              </a:rPr>
+              <a:t>in </a:t>
+            </a:r>
+            <a:r>
+              <a:rPr kumimoji="0" lang="zh-CN" altLang="zh-CN" sz="1300" b="0" i="0" u="none" strike="noStrike" cap="none" normalizeH="0" baseline="0" dirty="0">
+                <a:ln>
+                  <a:noFill/>
+                </a:ln>
+                <a:solidFill>
+                  <a:srgbClr val="A9B7C6"/>
+                </a:solidFill>
+                <a:effectLst/>
+                <a:latin typeface="宋体" panose="02010600030101010101" pitchFamily="2" charset="-122"/>
+                <a:ea typeface="宋体" panose="02010600030101010101" pitchFamily="2" charset="-122"/>
+              </a:rPr>
+              <a:t>_str:</a:t>
+            </a:r>
+            <a:br>
+              <a:rPr kumimoji="0" lang="zh-CN" altLang="zh-CN" sz="1300" b="0" i="0" u="none" strike="noStrike" cap="none" normalizeH="0" baseline="0" dirty="0">
+                <a:ln>
+                  <a:noFill/>
+                </a:ln>
+                <a:solidFill>
+                  <a:srgbClr val="A9B7C6"/>
+                </a:solidFill>
+                <a:effectLst/>
+                <a:latin typeface="宋体" panose="02010600030101010101" pitchFamily="2" charset="-122"/>
+                <a:ea typeface="宋体" panose="02010600030101010101" pitchFamily="2" charset="-122"/>
+              </a:rPr>
+            </a:br>
+            <a:r>
+              <a:rPr kumimoji="0" lang="zh-CN" altLang="zh-CN" sz="1300" b="0" i="0" u="none" strike="noStrike" cap="none" normalizeH="0" baseline="0" dirty="0">
+                <a:ln>
+                  <a:noFill/>
+                </a:ln>
+                <a:solidFill>
+                  <a:srgbClr val="A9B7C6"/>
+                </a:solidFill>
+                <a:effectLst/>
+                <a:latin typeface="宋体" panose="02010600030101010101" pitchFamily="2" charset="-122"/>
+                <a:ea typeface="宋体" panose="02010600030101010101" pitchFamily="2" charset="-122"/>
+              </a:rPr>
+              <a:t>    counter.setdefault(s</a:t>
+            </a:r>
+            <a:r>
+              <a:rPr kumimoji="0" lang="zh-CN" altLang="zh-CN" sz="1300" b="0" i="0" u="none" strike="noStrike" cap="none" normalizeH="0" baseline="0" dirty="0">
+                <a:ln>
+                  <a:noFill/>
+                </a:ln>
+                <a:solidFill>
+                  <a:srgbClr val="CC7832"/>
+                </a:solidFill>
+                <a:effectLst/>
+                <a:latin typeface="宋体" panose="02010600030101010101" pitchFamily="2" charset="-122"/>
+                <a:ea typeface="宋体" panose="02010600030101010101" pitchFamily="2" charset="-122"/>
+              </a:rPr>
+              <a:t>, </a:t>
+            </a:r>
+            <a:r>
+              <a:rPr kumimoji="0" lang="zh-CN" altLang="zh-CN" sz="1300" b="0" i="0" u="none" strike="noStrike" cap="none" normalizeH="0" baseline="0" dirty="0">
+                <a:ln>
+                  <a:noFill/>
+                </a:ln>
+                <a:solidFill>
+                  <a:srgbClr val="6897BB"/>
+                </a:solidFill>
+                <a:effectLst/>
+                <a:latin typeface="宋体" panose="02010600030101010101" pitchFamily="2" charset="-122"/>
+                <a:ea typeface="宋体" panose="02010600030101010101" pitchFamily="2" charset="-122"/>
+              </a:rPr>
+              <a:t>0</a:t>
+            </a:r>
+            <a:r>
+              <a:rPr kumimoji="0" lang="zh-CN" altLang="zh-CN" sz="1300" b="0" i="0" u="none" strike="noStrike" cap="none" normalizeH="0" baseline="0" dirty="0">
                 <a:ln>
                   <a:noFill/>
                 </a:ln>
@@ -14852,7 +14718,7 @@
               <a:t>)</a:t>
             </a:r>
             <a:br>
-              <a:rPr kumimoji="0" lang="zh-CN" altLang="zh-CN" sz="1500" b="0" i="0" u="none" strike="noStrike" cap="none" normalizeH="0" baseline="0" dirty="0">
+              <a:rPr kumimoji="0" lang="zh-CN" altLang="zh-CN" sz="1300" b="0" i="0" u="none" strike="noStrike" cap="none" normalizeH="0" baseline="0" dirty="0">
                 <a:ln>
                   <a:noFill/>
                 </a:ln>
@@ -14865,7 +14731,260 @@
               </a:rPr>
             </a:br>
             <a:r>
-              <a:rPr kumimoji="0" lang="zh-CN" altLang="zh-CN" sz="1500" b="0" i="0" u="none" strike="noStrike" cap="none" normalizeH="0" baseline="0" dirty="0">
+              <a:rPr kumimoji="0" lang="zh-CN" altLang="zh-CN" sz="1300" b="0" i="0" u="none" strike="noStrike" cap="none" normalizeH="0" baseline="0" dirty="0">
+                <a:ln>
+                  <a:noFill/>
+                </a:ln>
+                <a:solidFill>
+                  <a:srgbClr val="A9B7C6"/>
+                </a:solidFill>
+                <a:effectLst/>
+                <a:latin typeface="宋体" panose="02010600030101010101" pitchFamily="2" charset="-122"/>
+                <a:ea typeface="宋体" panose="02010600030101010101" pitchFamily="2" charset="-122"/>
+              </a:rPr>
+              <a:t>    counter[s] += </a:t>
+            </a:r>
+            <a:r>
+              <a:rPr kumimoji="0" lang="zh-CN" altLang="zh-CN" sz="1300" b="0" i="0" u="none" strike="noStrike" cap="none" normalizeH="0" baseline="0" dirty="0">
+                <a:ln>
+                  <a:noFill/>
+                </a:ln>
+                <a:solidFill>
+                  <a:srgbClr val="6897BB"/>
+                </a:solidFill>
+                <a:effectLst/>
+                <a:latin typeface="宋体" panose="02010600030101010101" pitchFamily="2" charset="-122"/>
+                <a:ea typeface="宋体" panose="02010600030101010101" pitchFamily="2" charset="-122"/>
+              </a:rPr>
+              <a:t>1</a:t>
+            </a:r>
+            <a:br>
+              <a:rPr kumimoji="0" lang="zh-CN" altLang="zh-CN" sz="1300" b="0" i="0" u="none" strike="noStrike" cap="none" normalizeH="0" baseline="0" dirty="0">
+                <a:ln>
+                  <a:noFill/>
+                </a:ln>
+                <a:solidFill>
+                  <a:srgbClr val="6897BB"/>
+                </a:solidFill>
+                <a:effectLst/>
+                <a:latin typeface="宋体" panose="02010600030101010101" pitchFamily="2" charset="-122"/>
+                <a:ea typeface="宋体" panose="02010600030101010101" pitchFamily="2" charset="-122"/>
+              </a:rPr>
+            </a:br>
+            <a:br>
+              <a:rPr kumimoji="0" lang="zh-CN" altLang="zh-CN" sz="1300" b="0" i="0" u="none" strike="noStrike" cap="none" normalizeH="0" baseline="0" dirty="0">
+                <a:ln>
+                  <a:noFill/>
+                </a:ln>
+                <a:solidFill>
+                  <a:srgbClr val="6897BB"/>
+                </a:solidFill>
+                <a:effectLst/>
+                <a:latin typeface="宋体" panose="02010600030101010101" pitchFamily="2" charset="-122"/>
+                <a:ea typeface="宋体" panose="02010600030101010101" pitchFamily="2" charset="-122"/>
+              </a:rPr>
+            </a:br>
+            <a:r>
+              <a:rPr kumimoji="0" lang="zh-CN" altLang="zh-CN" sz="1300" b="0" i="0" u="none" strike="noStrike" cap="none" normalizeH="0" baseline="0" dirty="0">
+                <a:ln>
+                  <a:noFill/>
+                </a:ln>
+                <a:solidFill>
+                  <a:srgbClr val="8888C6"/>
+                </a:solidFill>
+                <a:effectLst/>
+                <a:latin typeface="宋体" panose="02010600030101010101" pitchFamily="2" charset="-122"/>
+                <a:ea typeface="宋体" panose="02010600030101010101" pitchFamily="2" charset="-122"/>
+              </a:rPr>
+              <a:t>print</a:t>
+            </a:r>
+            <a:r>
+              <a:rPr kumimoji="0" lang="zh-CN" altLang="zh-CN" sz="1300" b="0" i="0" u="none" strike="noStrike" cap="none" normalizeH="0" baseline="0" dirty="0">
+                <a:ln>
+                  <a:noFill/>
+                </a:ln>
+                <a:solidFill>
+                  <a:srgbClr val="A9B7C6"/>
+                </a:solidFill>
+                <a:effectLst/>
+                <a:latin typeface="宋体" panose="02010600030101010101" pitchFamily="2" charset="-122"/>
+                <a:ea typeface="宋体" panose="02010600030101010101" pitchFamily="2" charset="-122"/>
+              </a:rPr>
+              <a:t>(counter)</a:t>
+            </a:r>
+            <a:endParaRPr kumimoji="0" lang="zh-CN" altLang="zh-CN" sz="1800" b="0" i="0" u="none" strike="noStrike" cap="none" normalizeH="0" baseline="0" dirty="0">
+              <a:ln>
+                <a:noFill/>
+              </a:ln>
+              <a:solidFill>
+                <a:schemeClr val="tx1"/>
+              </a:solidFill>
+              <a:effectLst/>
+              <a:latin typeface="Arial" panose="020B0604020202020204" pitchFamily="34" charset="0"/>
+            </a:endParaRPr>
+          </a:p>
+        </p:txBody>
+      </p:sp>
+      <p:sp>
+        <p:nvSpPr>
+          <p:cNvPr id="19" name="Rectangle 11">
+            <a:extLst>
+              <a:ext uri="{FF2B5EF4-FFF2-40B4-BE49-F238E27FC236}">
+                <a16:creationId xmlns:a16="http://schemas.microsoft.com/office/drawing/2014/main" id="{7FF5E6AA-0E76-4857-AEAF-75B5B99D45D5}"/>
+              </a:ext>
+            </a:extLst>
+          </p:cNvPr>
+          <p:cNvSpPr>
+            <a:spLocks noChangeArrowheads="1"/>
+          </p:cNvSpPr>
+          <p:nvPr/>
+        </p:nvSpPr>
+        <p:spPr bwMode="auto">
+          <a:xfrm>
+            <a:off x="7422035" y="2635231"/>
+            <a:ext cx="2420683" cy="1292662"/>
+          </a:xfrm>
+          <a:prstGeom prst="rect">
+            <a:avLst/>
+          </a:prstGeom>
+          <a:solidFill>
+            <a:srgbClr val="2B2B2B"/>
+          </a:solidFill>
+          <a:ln>
+            <a:noFill/>
+          </a:ln>
+          <a:effectLst/>
+          <a:extLst>
+            <a:ext uri="{91240B29-F687-4F45-9708-019B960494DF}">
+              <a14:hiddenLine xmlns:a14="http://schemas.microsoft.com/office/drawing/2010/main" w="9525">
+                <a:solidFill>
+                  <a:schemeClr val="tx1"/>
+                </a:solidFill>
+                <a:miter lim="800000"/>
+                <a:headEnd/>
+                <a:tailEnd/>
+              </a14:hiddenLine>
+            </a:ext>
+            <a:ext uri="{AF507438-7753-43E0-B8FC-AC1667EBCBE1}">
+              <a14:hiddenEffects xmlns:a14="http://schemas.microsoft.com/office/drawing/2010/main">
+                <a:effectLst>
+                  <a:outerShdw dist="35921" dir="2700000" algn="ctr" rotWithShape="0">
+                    <a:schemeClr val="bg2"/>
+                  </a:outerShdw>
+                </a:effectLst>
+              </a14:hiddenEffects>
+            </a:ext>
+          </a:extLst>
+        </p:spPr>
+        <p:txBody>
+          <a:bodyPr vert="horz" wrap="square" lIns="91440" tIns="45720" rIns="91440" bIns="45720" numCol="1" anchor="ctr" anchorCtr="0" compatLnSpc="1">
+            <a:prstTxWarp prst="textNoShape">
+              <a:avLst/>
+            </a:prstTxWarp>
+            <a:spAutoFit/>
+          </a:bodyPr>
+          <a:lstStyle/>
+          <a:p>
+            <a:pPr marL="0" marR="0" lvl="0" indent="0" algn="l" defTabSz="914400" rtl="0" eaLnBrk="0" fontAlgn="base" latinLnBrk="0" hangingPunct="0">
+              <a:lnSpc>
+                <a:spcPct val="100000"/>
+              </a:lnSpc>
+              <a:spcBef>
+                <a:spcPct val="0"/>
+              </a:spcBef>
+              <a:spcAft>
+                <a:spcPct val="0"/>
+              </a:spcAft>
+              <a:buClrTx/>
+              <a:buSzTx/>
+              <a:buFontTx/>
+              <a:buNone/>
+              <a:tabLst/>
+            </a:pPr>
+            <a:r>
+              <a:rPr kumimoji="0" lang="zh-CN" altLang="zh-CN" sz="1300" b="0" i="0" u="none" strike="noStrike" cap="none" normalizeH="0" baseline="0" dirty="0">
+                <a:ln>
+                  <a:noFill/>
+                </a:ln>
+                <a:solidFill>
+                  <a:srgbClr val="808080"/>
+                </a:solidFill>
+                <a:effectLst/>
+                <a:latin typeface="宋体" panose="02010600030101010101" pitchFamily="2" charset="-122"/>
+                <a:ea typeface="宋体" panose="02010600030101010101" pitchFamily="2" charset="-122"/>
+              </a:rPr>
+              <a:t># defaultdict</a:t>
+            </a:r>
+            <a:br>
+              <a:rPr kumimoji="0" lang="zh-CN" altLang="zh-CN" sz="1300" b="0" i="0" u="none" strike="noStrike" cap="none" normalizeH="0" baseline="0" dirty="0">
+                <a:ln>
+                  <a:noFill/>
+                </a:ln>
+                <a:solidFill>
+                  <a:srgbClr val="808080"/>
+                </a:solidFill>
+                <a:effectLst/>
+                <a:latin typeface="宋体" panose="02010600030101010101" pitchFamily="2" charset="-122"/>
+                <a:ea typeface="宋体" panose="02010600030101010101" pitchFamily="2" charset="-122"/>
+              </a:rPr>
+            </a:br>
+            <a:r>
+              <a:rPr kumimoji="0" lang="zh-CN" altLang="zh-CN" sz="1300" b="0" i="0" u="none" strike="noStrike" cap="none" normalizeH="0" baseline="0" dirty="0">
+                <a:ln>
+                  <a:noFill/>
+                </a:ln>
+                <a:solidFill>
+                  <a:srgbClr val="A9B7C6"/>
+                </a:solidFill>
+                <a:effectLst/>
+                <a:latin typeface="宋体" panose="02010600030101010101" pitchFamily="2" charset="-122"/>
+                <a:ea typeface="宋体" panose="02010600030101010101" pitchFamily="2" charset="-122"/>
+              </a:rPr>
+              <a:t>counter = defaultdict(</a:t>
+            </a:r>
+            <a:r>
+              <a:rPr kumimoji="0" lang="zh-CN" altLang="zh-CN" sz="1300" b="0" i="0" u="none" strike="noStrike" cap="none" normalizeH="0" baseline="0" dirty="0">
+                <a:ln>
+                  <a:noFill/>
+                </a:ln>
+                <a:solidFill>
+                  <a:srgbClr val="8888C6"/>
+                </a:solidFill>
+                <a:effectLst/>
+                <a:latin typeface="宋体" panose="02010600030101010101" pitchFamily="2" charset="-122"/>
+                <a:ea typeface="宋体" panose="02010600030101010101" pitchFamily="2" charset="-122"/>
+              </a:rPr>
+              <a:t>int</a:t>
+            </a:r>
+            <a:r>
+              <a:rPr kumimoji="0" lang="zh-CN" altLang="zh-CN" sz="1300" b="0" i="0" u="none" strike="noStrike" cap="none" normalizeH="0" baseline="0" dirty="0">
+                <a:ln>
+                  <a:noFill/>
+                </a:ln>
+                <a:solidFill>
+                  <a:srgbClr val="A9B7C6"/>
+                </a:solidFill>
+                <a:effectLst/>
+                <a:latin typeface="宋体" panose="02010600030101010101" pitchFamily="2" charset="-122"/>
+                <a:ea typeface="宋体" panose="02010600030101010101" pitchFamily="2" charset="-122"/>
+              </a:rPr>
+              <a:t>)</a:t>
+            </a:r>
+            <a:br>
+              <a:rPr kumimoji="0" lang="zh-CN" altLang="zh-CN" sz="1300" b="0" i="0" u="none" strike="noStrike" cap="none" normalizeH="0" baseline="0" dirty="0">
+                <a:ln>
+                  <a:noFill/>
+                </a:ln>
+                <a:solidFill>
+                  <a:srgbClr val="A9B7C6"/>
+                </a:solidFill>
+                <a:effectLst/>
+                <a:latin typeface="宋体" panose="02010600030101010101" pitchFamily="2" charset="-122"/>
+                <a:ea typeface="宋体" panose="02010600030101010101" pitchFamily="2" charset="-122"/>
+              </a:rPr>
+            </a:br>
+            <a:r>
+              <a:rPr kumimoji="0" lang="zh-CN" altLang="zh-CN" sz="1300" b="0" i="0" u="none" strike="noStrike" cap="none" normalizeH="0" baseline="0" dirty="0">
                 <a:ln>
                   <a:noFill/>
                 </a:ln>
@@ -14879,21 +14998,21 @@
               <a:t>for </a:t>
             </a:r>
             <a:r>
-              <a:rPr kumimoji="0" lang="zh-CN" altLang="zh-CN" sz="1500" b="0" i="0" u="none" strike="noStrike" cap="none" normalizeH="0" baseline="0" dirty="0">
-                <a:ln>
-                  <a:noFill/>
-                </a:ln>
-                <a:solidFill>
-                  <a:srgbClr val="A9B7C6"/>
-                </a:solidFill>
-                <a:effectLst/>
-                <a:latin typeface="宋体" panose="02010600030101010101" pitchFamily="2" charset="-122"/>
-                <a:ea typeface="宋体" panose="02010600030101010101" pitchFamily="2" charset="-122"/>
-              </a:rPr>
-              <a:t>folder </a:t>
-            </a:r>
-            <a:r>
-              <a:rPr kumimoji="0" lang="zh-CN" altLang="zh-CN" sz="1500" b="0" i="0" u="none" strike="noStrike" cap="none" normalizeH="0" baseline="0" dirty="0">
+              <a:rPr kumimoji="0" lang="zh-CN" altLang="zh-CN" sz="1300" b="0" i="0" u="none" strike="noStrike" cap="none" normalizeH="0" baseline="0" dirty="0">
+                <a:ln>
+                  <a:noFill/>
+                </a:ln>
+                <a:solidFill>
+                  <a:srgbClr val="A9B7C6"/>
+                </a:solidFill>
+                <a:effectLst/>
+                <a:latin typeface="宋体" panose="02010600030101010101" pitchFamily="2" charset="-122"/>
+                <a:ea typeface="宋体" panose="02010600030101010101" pitchFamily="2" charset="-122"/>
+              </a:rPr>
+              <a:t>s </a:t>
+            </a:r>
+            <a:r>
+              <a:rPr kumimoji="0" lang="zh-CN" altLang="zh-CN" sz="1300" b="0" i="0" u="none" strike="noStrike" cap="none" normalizeH="0" baseline="0" dirty="0">
                 <a:ln>
                   <a:noFill/>
                 </a:ln>
@@ -14907,21 +15026,21 @@
               <a:t>in </a:t>
             </a:r>
             <a:r>
-              <a:rPr kumimoji="0" lang="zh-CN" altLang="zh-CN" sz="1500" b="0" i="0" u="none" strike="noStrike" cap="none" normalizeH="0" baseline="0" dirty="0">
-                <a:ln>
-                  <a:noFill/>
-                </a:ln>
-                <a:solidFill>
-                  <a:srgbClr val="A9B7C6"/>
-                </a:solidFill>
-                <a:effectLst/>
-                <a:latin typeface="宋体" panose="02010600030101010101" pitchFamily="2" charset="-122"/>
-                <a:ea typeface="宋体" panose="02010600030101010101" pitchFamily="2" charset="-122"/>
-              </a:rPr>
-              <a:t>os.listdir(UNIT_PATH):</a:t>
+              <a:rPr kumimoji="0" lang="zh-CN" altLang="zh-CN" sz="1300" b="0" i="0" u="none" strike="noStrike" cap="none" normalizeH="0" baseline="0" dirty="0">
+                <a:ln>
+                  <a:noFill/>
+                </a:ln>
+                <a:solidFill>
+                  <a:srgbClr val="A9B7C6"/>
+                </a:solidFill>
+                <a:effectLst/>
+                <a:latin typeface="宋体" panose="02010600030101010101" pitchFamily="2" charset="-122"/>
+                <a:ea typeface="宋体" panose="02010600030101010101" pitchFamily="2" charset="-122"/>
+              </a:rPr>
+              <a:t>_str:</a:t>
             </a:r>
             <a:br>
-              <a:rPr kumimoji="0" lang="zh-CN" altLang="zh-CN" sz="1500" b="0" i="0" u="none" strike="noStrike" cap="none" normalizeH="0" baseline="0" dirty="0">
+              <a:rPr kumimoji="0" lang="zh-CN" altLang="zh-CN" sz="1300" b="0" i="0" u="none" strike="noStrike" cap="none" normalizeH="0" baseline="0" dirty="0">
                 <a:ln>
                   <a:noFill/>
                 </a:ln>
@@ -14934,21 +15053,235 @@
               </a:rPr>
             </a:br>
             <a:r>
-              <a:rPr kumimoji="0" lang="zh-CN" altLang="zh-CN" sz="1500" b="0" i="0" u="none" strike="noStrike" cap="none" normalizeH="0" baseline="0" dirty="0">
-                <a:ln>
-                  <a:noFill/>
-                </a:ln>
-                <a:solidFill>
-                  <a:srgbClr val="A9B7C6"/>
-                </a:solidFill>
-                <a:effectLst/>
-                <a:latin typeface="宋体" panose="02010600030101010101" pitchFamily="2" charset="-122"/>
-                <a:ea typeface="宋体" panose="02010600030101010101" pitchFamily="2" charset="-122"/>
-              </a:rPr>
-              <a:t>    unit_content = jsonUtil.readJsonFile(os.path.join(UNIT_PATH</a:t>
-            </a:r>
-            <a:r>
-              <a:rPr kumimoji="0" lang="zh-CN" altLang="zh-CN" sz="1500" b="0" i="0" u="none" strike="noStrike" cap="none" normalizeH="0" baseline="0" dirty="0">
+              <a:rPr kumimoji="0" lang="zh-CN" altLang="zh-CN" sz="1300" b="0" i="0" u="none" strike="noStrike" cap="none" normalizeH="0" baseline="0" dirty="0">
+                <a:ln>
+                  <a:noFill/>
+                </a:ln>
+                <a:solidFill>
+                  <a:srgbClr val="A9B7C6"/>
+                </a:solidFill>
+                <a:effectLst/>
+                <a:latin typeface="宋体" panose="02010600030101010101" pitchFamily="2" charset="-122"/>
+                <a:ea typeface="宋体" panose="02010600030101010101" pitchFamily="2" charset="-122"/>
+              </a:rPr>
+              <a:t>    counter[s] += </a:t>
+            </a:r>
+            <a:r>
+              <a:rPr kumimoji="0" lang="zh-CN" altLang="zh-CN" sz="1300" b="0" i="0" u="none" strike="noStrike" cap="none" normalizeH="0" baseline="0" dirty="0">
+                <a:ln>
+                  <a:noFill/>
+                </a:ln>
+                <a:solidFill>
+                  <a:srgbClr val="6897BB"/>
+                </a:solidFill>
+                <a:effectLst/>
+                <a:latin typeface="宋体" panose="02010600030101010101" pitchFamily="2" charset="-122"/>
+                <a:ea typeface="宋体" panose="02010600030101010101" pitchFamily="2" charset="-122"/>
+              </a:rPr>
+              <a:t>1</a:t>
+            </a:r>
+            <a:br>
+              <a:rPr kumimoji="0" lang="zh-CN" altLang="zh-CN" sz="1300" b="0" i="0" u="none" strike="noStrike" cap="none" normalizeH="0" baseline="0" dirty="0">
+                <a:ln>
+                  <a:noFill/>
+                </a:ln>
+                <a:solidFill>
+                  <a:srgbClr val="6897BB"/>
+                </a:solidFill>
+                <a:effectLst/>
+                <a:latin typeface="宋体" panose="02010600030101010101" pitchFamily="2" charset="-122"/>
+                <a:ea typeface="宋体" panose="02010600030101010101" pitchFamily="2" charset="-122"/>
+              </a:rPr>
+            </a:br>
+            <a:br>
+              <a:rPr kumimoji="0" lang="zh-CN" altLang="zh-CN" sz="1300" b="0" i="0" u="none" strike="noStrike" cap="none" normalizeH="0" baseline="0" dirty="0">
+                <a:ln>
+                  <a:noFill/>
+                </a:ln>
+                <a:solidFill>
+                  <a:srgbClr val="6897BB"/>
+                </a:solidFill>
+                <a:effectLst/>
+                <a:latin typeface="宋体" panose="02010600030101010101" pitchFamily="2" charset="-122"/>
+                <a:ea typeface="宋体" panose="02010600030101010101" pitchFamily="2" charset="-122"/>
+              </a:rPr>
+            </a:br>
+            <a:r>
+              <a:rPr kumimoji="0" lang="zh-CN" altLang="zh-CN" sz="1300" b="0" i="0" u="none" strike="noStrike" cap="none" normalizeH="0" baseline="0" dirty="0">
+                <a:ln>
+                  <a:noFill/>
+                </a:ln>
+                <a:solidFill>
+                  <a:srgbClr val="8888C6"/>
+                </a:solidFill>
+                <a:effectLst/>
+                <a:latin typeface="宋体" panose="02010600030101010101" pitchFamily="2" charset="-122"/>
+                <a:ea typeface="宋体" panose="02010600030101010101" pitchFamily="2" charset="-122"/>
+              </a:rPr>
+              <a:t>print</a:t>
+            </a:r>
+            <a:r>
+              <a:rPr kumimoji="0" lang="zh-CN" altLang="zh-CN" sz="1300" b="0" i="0" u="none" strike="noStrike" cap="none" normalizeH="0" baseline="0" dirty="0">
+                <a:ln>
+                  <a:noFill/>
+                </a:ln>
+                <a:solidFill>
+                  <a:srgbClr val="A9B7C6"/>
+                </a:solidFill>
+                <a:effectLst/>
+                <a:latin typeface="宋体" panose="02010600030101010101" pitchFamily="2" charset="-122"/>
+                <a:ea typeface="宋体" panose="02010600030101010101" pitchFamily="2" charset="-122"/>
+              </a:rPr>
+              <a:t>(counter)</a:t>
+            </a:r>
+            <a:endParaRPr kumimoji="0" lang="zh-CN" altLang="zh-CN" sz="1800" b="0" i="0" u="none" strike="noStrike" cap="none" normalizeH="0" baseline="0" dirty="0">
+              <a:ln>
+                <a:noFill/>
+              </a:ln>
+              <a:solidFill>
+                <a:schemeClr val="tx1"/>
+              </a:solidFill>
+              <a:effectLst/>
+              <a:latin typeface="Arial" panose="020B0604020202020204" pitchFamily="34" charset="0"/>
+            </a:endParaRPr>
+          </a:p>
+        </p:txBody>
+      </p:sp>
+      <p:sp>
+        <p:nvSpPr>
+          <p:cNvPr id="20" name="Rectangle 12">
+            <a:extLst>
+              <a:ext uri="{FF2B5EF4-FFF2-40B4-BE49-F238E27FC236}">
+                <a16:creationId xmlns:a16="http://schemas.microsoft.com/office/drawing/2014/main" id="{9474CF96-93B2-4052-9324-99EA5452D0B9}"/>
+              </a:ext>
+            </a:extLst>
+          </p:cNvPr>
+          <p:cNvSpPr>
+            <a:spLocks noChangeArrowheads="1"/>
+          </p:cNvSpPr>
+          <p:nvPr/>
+        </p:nvSpPr>
+        <p:spPr bwMode="auto">
+          <a:xfrm>
+            <a:off x="963829" y="5306091"/>
+            <a:ext cx="5132171" cy="892552"/>
+          </a:xfrm>
+          <a:prstGeom prst="rect">
+            <a:avLst/>
+          </a:prstGeom>
+          <a:solidFill>
+            <a:srgbClr val="2B2B2B"/>
+          </a:solidFill>
+          <a:ln>
+            <a:noFill/>
+          </a:ln>
+          <a:effectLst/>
+          <a:extLst>
+            <a:ext uri="{91240B29-F687-4F45-9708-019B960494DF}">
+              <a14:hiddenLine xmlns:a14="http://schemas.microsoft.com/office/drawing/2010/main" w="9525">
+                <a:solidFill>
+                  <a:schemeClr val="tx1"/>
+                </a:solidFill>
+                <a:miter lim="800000"/>
+                <a:headEnd/>
+                <a:tailEnd/>
+              </a14:hiddenLine>
+            </a:ext>
+            <a:ext uri="{AF507438-7753-43E0-B8FC-AC1667EBCBE1}">
+              <a14:hiddenEffects xmlns:a14="http://schemas.microsoft.com/office/drawing/2010/main">
+                <a:effectLst>
+                  <a:outerShdw dist="35921" dir="2700000" algn="ctr" rotWithShape="0">
+                    <a:schemeClr val="bg2"/>
+                  </a:outerShdw>
+                </a:effectLst>
+              </a14:hiddenEffects>
+            </a:ext>
+          </a:extLst>
+        </p:spPr>
+        <p:txBody>
+          <a:bodyPr vert="horz" wrap="square" lIns="91440" tIns="45720" rIns="91440" bIns="45720" numCol="1" anchor="ctr" anchorCtr="0" compatLnSpc="1">
+            <a:prstTxWarp prst="textNoShape">
+              <a:avLst/>
+            </a:prstTxWarp>
+            <a:spAutoFit/>
+          </a:bodyPr>
+          <a:lstStyle/>
+          <a:p>
+            <a:pPr marL="0" marR="0" lvl="0" indent="0" algn="l" defTabSz="914400" rtl="0" eaLnBrk="0" fontAlgn="base" latinLnBrk="0" hangingPunct="0">
+              <a:lnSpc>
+                <a:spcPct val="100000"/>
+              </a:lnSpc>
+              <a:spcBef>
+                <a:spcPct val="0"/>
+              </a:spcBef>
+              <a:spcAft>
+                <a:spcPct val="0"/>
+              </a:spcAft>
+              <a:buClrTx/>
+              <a:buSzTx/>
+              <a:buFontTx/>
+              <a:buNone/>
+              <a:tabLst/>
+            </a:pPr>
+            <a:r>
+              <a:rPr kumimoji="0" lang="zh-CN" altLang="zh-CN" sz="1300" b="0" i="0" u="none" strike="noStrike" cap="none" normalizeH="0" baseline="0" dirty="0">
+                <a:ln>
+                  <a:noFill/>
+                </a:ln>
+                <a:solidFill>
+                  <a:srgbClr val="808080"/>
+                </a:solidFill>
+                <a:effectLst/>
+                <a:latin typeface="宋体" panose="02010600030101010101" pitchFamily="2" charset="-122"/>
+                <a:ea typeface="宋体" panose="02010600030101010101" pitchFamily="2" charset="-122"/>
+              </a:rPr>
+              <a:t># </a:t>
+            </a:r>
+            <a:r>
+              <a:rPr kumimoji="0" lang="zh-CN" altLang="en-US" sz="1300" b="0" i="0" u="none" strike="noStrike" cap="none" normalizeH="0" baseline="0" dirty="0">
+                <a:ln>
+                  <a:noFill/>
+                </a:ln>
+                <a:solidFill>
+                  <a:srgbClr val="808080"/>
+                </a:solidFill>
+                <a:effectLst/>
+                <a:latin typeface="宋体" panose="02010600030101010101" pitchFamily="2" charset="-122"/>
+                <a:ea typeface="宋体" panose="02010600030101010101" pitchFamily="2" charset="-122"/>
+              </a:rPr>
+              <a:t>专业的事交给专业的函数</a:t>
+            </a:r>
+            <a:endParaRPr kumimoji="0" lang="en-US" altLang="zh-CN" sz="1300" b="0" i="0" u="none" strike="noStrike" cap="none" normalizeH="0" baseline="0" dirty="0">
+              <a:ln>
+                <a:noFill/>
+              </a:ln>
+              <a:solidFill>
+                <a:srgbClr val="CC7832"/>
+              </a:solidFill>
+              <a:effectLst/>
+              <a:latin typeface="宋体" panose="02010600030101010101" pitchFamily="2" charset="-122"/>
+              <a:ea typeface="宋体" panose="02010600030101010101" pitchFamily="2" charset="-122"/>
+            </a:endParaRPr>
+          </a:p>
+          <a:p>
+            <a:pPr marL="0" marR="0" lvl="0" indent="0" algn="l" defTabSz="914400" rtl="0" eaLnBrk="0" fontAlgn="base" latinLnBrk="0" hangingPunct="0">
+              <a:lnSpc>
+                <a:spcPct val="100000"/>
+              </a:lnSpc>
+              <a:spcBef>
+                <a:spcPct val="0"/>
+              </a:spcBef>
+              <a:spcAft>
+                <a:spcPct val="0"/>
+              </a:spcAft>
+              <a:buClrTx/>
+              <a:buSzTx/>
+              <a:buFontTx/>
+              <a:buNone/>
+              <a:tabLst/>
+            </a:pPr>
+            <a:r>
+              <a:rPr kumimoji="0" lang="zh-CN" altLang="zh-CN" sz="1300" b="0" i="0" u="none" strike="noStrike" cap="none" normalizeH="0" baseline="0" dirty="0">
                 <a:ln>
                   <a:noFill/>
                 </a:ln>
@@ -14959,52 +15292,24 @@
                 <a:latin typeface="宋体" panose="02010600030101010101" pitchFamily="2" charset="-122"/>
                 <a:ea typeface="宋体" panose="02010600030101010101" pitchFamily="2" charset="-122"/>
               </a:rPr>
-              <a:t>, </a:t>
-            </a:r>
-            <a:r>
-              <a:rPr kumimoji="0" lang="zh-CN" altLang="zh-CN" sz="1500" b="0" i="0" u="none" strike="noStrike" cap="none" normalizeH="0" baseline="0" dirty="0">
-                <a:ln>
-                  <a:noFill/>
-                </a:ln>
-                <a:solidFill>
-                  <a:srgbClr val="A9B7C6"/>
-                </a:solidFill>
-                <a:effectLst/>
-                <a:latin typeface="宋体" panose="02010600030101010101" pitchFamily="2" charset="-122"/>
-                <a:ea typeface="宋体" panose="02010600030101010101" pitchFamily="2" charset="-122"/>
-              </a:rPr>
-              <a:t>folder</a:t>
-            </a:r>
-            <a:r>
-              <a:rPr kumimoji="0" lang="zh-CN" altLang="zh-CN" sz="1500" b="0" i="0" u="none" strike="noStrike" cap="none" normalizeH="0" baseline="0" dirty="0">
-                <a:ln>
-                  <a:noFill/>
-                </a:ln>
-                <a:solidFill>
-                  <a:srgbClr val="CC7832"/>
-                </a:solidFill>
-                <a:effectLst/>
-                <a:latin typeface="宋体" panose="02010600030101010101" pitchFamily="2" charset="-122"/>
-                <a:ea typeface="宋体" panose="02010600030101010101" pitchFamily="2" charset="-122"/>
-              </a:rPr>
-              <a:t>, </a:t>
-            </a:r>
-            <a:r>
-              <a:rPr kumimoji="0" lang="zh-CN" altLang="zh-CN" sz="1500" b="0" i="0" u="none" strike="noStrike" cap="none" normalizeH="0" baseline="0" dirty="0">
-                <a:ln>
-                  <a:noFill/>
-                </a:ln>
-                <a:solidFill>
-                  <a:srgbClr val="A9B7C6"/>
-                </a:solidFill>
-                <a:effectLst/>
-                <a:latin typeface="宋体" panose="02010600030101010101" pitchFamily="2" charset="-122"/>
-                <a:ea typeface="宋体" panose="02010600030101010101" pitchFamily="2" charset="-122"/>
-              </a:rPr>
-              <a:t>CONTENT_FILE_NAME))</a:t>
+              <a:t>import </a:t>
+            </a:r>
+            <a:r>
+              <a:rPr kumimoji="0" lang="zh-CN" altLang="zh-CN" sz="1300" b="0" i="0" u="none" strike="noStrike" cap="none" normalizeH="0" baseline="0" dirty="0">
+                <a:ln>
+                  <a:noFill/>
+                </a:ln>
+                <a:solidFill>
+                  <a:srgbClr val="A9B7C6"/>
+                </a:solidFill>
+                <a:effectLst/>
+                <a:latin typeface="宋体" panose="02010600030101010101" pitchFamily="2" charset="-122"/>
+                <a:ea typeface="宋体" panose="02010600030101010101" pitchFamily="2" charset="-122"/>
+              </a:rPr>
+              <a:t>collections</a:t>
             </a:r>
             <a:br>
-              <a:rPr kumimoji="0" lang="zh-CN" altLang="zh-CN" sz="1500" b="0" i="0" u="none" strike="noStrike" cap="none" normalizeH="0" baseline="0" dirty="0">
+              <a:rPr kumimoji="0" lang="zh-CN" altLang="zh-CN" sz="1300" b="0" i="0" u="none" strike="noStrike" cap="none" normalizeH="0" baseline="0" dirty="0">
                 <a:ln>
                   <a:noFill/>
                 </a:ln>
@@ -15016,103 +15321,46 @@
                 <a:ea typeface="宋体" panose="02010600030101010101" pitchFamily="2" charset="-122"/>
               </a:rPr>
             </a:br>
-            <a:r>
-              <a:rPr kumimoji="0" lang="zh-CN" altLang="zh-CN" sz="1500" b="0" i="0" u="none" strike="noStrike" cap="none" normalizeH="0" baseline="0" dirty="0">
-                <a:ln>
-                  <a:noFill/>
-                </a:ln>
-                <a:solidFill>
-                  <a:srgbClr val="A9B7C6"/>
-                </a:solidFill>
-                <a:effectLst/>
-                <a:latin typeface="宋体" panose="02010600030101010101" pitchFamily="2" charset="-122"/>
-                <a:ea typeface="宋体" panose="02010600030101010101" pitchFamily="2" charset="-122"/>
-              </a:rPr>
-              <a:t>    </a:t>
-            </a:r>
-            <a:r>
-              <a:rPr kumimoji="0" lang="zh-CN" altLang="zh-CN" sz="1500" b="0" i="0" u="none" strike="noStrike" cap="none" normalizeH="0" baseline="0" dirty="0">
-                <a:ln>
-                  <a:noFill/>
-                </a:ln>
-                <a:solidFill>
-                  <a:srgbClr val="94558D"/>
-                </a:solidFill>
-                <a:effectLst/>
-                <a:latin typeface="宋体" panose="02010600030101010101" pitchFamily="2" charset="-122"/>
-                <a:ea typeface="宋体" panose="02010600030101010101" pitchFamily="2" charset="-122"/>
-              </a:rPr>
-              <a:t>self</a:t>
-            </a:r>
-            <a:r>
-              <a:rPr kumimoji="0" lang="zh-CN" altLang="zh-CN" sz="1500" b="0" i="0" u="none" strike="noStrike" cap="none" normalizeH="0" baseline="0" dirty="0">
-                <a:ln>
-                  <a:noFill/>
-                </a:ln>
-                <a:solidFill>
-                  <a:srgbClr val="A9B7C6"/>
-                </a:solidFill>
-                <a:effectLst/>
-                <a:latin typeface="宋体" panose="02010600030101010101" pitchFamily="2" charset="-122"/>
-                <a:ea typeface="宋体" panose="02010600030101010101" pitchFamily="2" charset="-122"/>
-              </a:rPr>
-              <a:t>.unit_list_sort[unit_content.get(</a:t>
-            </a:r>
-            <a:r>
-              <a:rPr kumimoji="0" lang="zh-CN" altLang="zh-CN" sz="1500" b="0" i="0" u="none" strike="noStrike" cap="none" normalizeH="0" baseline="0" dirty="0">
-                <a:ln>
-                  <a:noFill/>
-                </a:ln>
-                <a:solidFill>
-                  <a:srgbClr val="6A8759"/>
-                </a:solidFill>
-                <a:effectLst/>
-                <a:latin typeface="宋体" panose="02010600030101010101" pitchFamily="2" charset="-122"/>
-                <a:ea typeface="宋体" panose="02010600030101010101" pitchFamily="2" charset="-122"/>
-              </a:rPr>
-              <a:t>"unit_type"</a:t>
-            </a:r>
-            <a:r>
-              <a:rPr kumimoji="0" lang="zh-CN" altLang="zh-CN" sz="1500" b="0" i="0" u="none" strike="noStrike" cap="none" normalizeH="0" baseline="0" dirty="0">
-                <a:ln>
-                  <a:noFill/>
-                </a:ln>
-                <a:solidFill>
-                  <a:srgbClr val="A9B7C6"/>
-                </a:solidFill>
-                <a:effectLst/>
-                <a:latin typeface="宋体" panose="02010600030101010101" pitchFamily="2" charset="-122"/>
-                <a:ea typeface="宋体" panose="02010600030101010101" pitchFamily="2" charset="-122"/>
-              </a:rPr>
-              <a:t>)].append(unit_content.get(</a:t>
-            </a:r>
-            <a:r>
-              <a:rPr kumimoji="0" lang="zh-CN" altLang="zh-CN" sz="1500" b="0" i="0" u="none" strike="noStrike" cap="none" normalizeH="0" baseline="0" dirty="0">
-                <a:ln>
-                  <a:noFill/>
-                </a:ln>
-                <a:solidFill>
-                  <a:srgbClr val="6A8759"/>
-                </a:solidFill>
-                <a:effectLst/>
-                <a:latin typeface="宋体" panose="02010600030101010101" pitchFamily="2" charset="-122"/>
-                <a:ea typeface="宋体" panose="02010600030101010101" pitchFamily="2" charset="-122"/>
-              </a:rPr>
-              <a:t>"content"</a:t>
-            </a:r>
-            <a:r>
-              <a:rPr kumimoji="0" lang="zh-CN" altLang="zh-CN" sz="1500" b="0" i="0" u="none" strike="noStrike" cap="none" normalizeH="0" baseline="0" dirty="0">
-                <a:ln>
-                  <a:noFill/>
-                </a:ln>
-                <a:solidFill>
-                  <a:srgbClr val="A9B7C6"/>
-                </a:solidFill>
-                <a:effectLst/>
-                <a:latin typeface="宋体" panose="02010600030101010101" pitchFamily="2" charset="-122"/>
-                <a:ea typeface="宋体" panose="02010600030101010101" pitchFamily="2" charset="-122"/>
-              </a:rPr>
-              <a:t>))</a:t>
+            <a:br>
+              <a:rPr kumimoji="0" lang="zh-CN" altLang="zh-CN" sz="1300" b="0" i="0" u="none" strike="noStrike" cap="none" normalizeH="0" baseline="0" dirty="0">
+                <a:ln>
+                  <a:noFill/>
+                </a:ln>
+                <a:solidFill>
+                  <a:srgbClr val="A9B7C6"/>
+                </a:solidFill>
+                <a:effectLst/>
+                <a:latin typeface="宋体" panose="02010600030101010101" pitchFamily="2" charset="-122"/>
+                <a:ea typeface="宋体" panose="02010600030101010101" pitchFamily="2" charset="-122"/>
+              </a:rPr>
+            </a:br>
+            <a:r>
+              <a:rPr kumimoji="0" lang="zh-CN" altLang="zh-CN" sz="1300" b="0" i="0" u="none" strike="noStrike" cap="none" normalizeH="0" baseline="0" dirty="0">
+                <a:ln>
+                  <a:noFill/>
+                </a:ln>
+                <a:solidFill>
+                  <a:srgbClr val="8888C6"/>
+                </a:solidFill>
+                <a:effectLst/>
+                <a:latin typeface="宋体" panose="02010600030101010101" pitchFamily="2" charset="-122"/>
+                <a:ea typeface="宋体" panose="02010600030101010101" pitchFamily="2" charset="-122"/>
+              </a:rPr>
+              <a:t>print</a:t>
+            </a:r>
+            <a:r>
+              <a:rPr kumimoji="0" lang="zh-CN" altLang="zh-CN" sz="1300" b="0" i="0" u="none" strike="noStrike" cap="none" normalizeH="0" baseline="0" dirty="0">
+                <a:ln>
+                  <a:noFill/>
+                </a:ln>
+                <a:solidFill>
+                  <a:srgbClr val="A9B7C6"/>
+                </a:solidFill>
+                <a:effectLst/>
+                <a:latin typeface="宋体" panose="02010600030101010101" pitchFamily="2" charset="-122"/>
+                <a:ea typeface="宋体" panose="02010600030101010101" pitchFamily="2" charset="-122"/>
+              </a:rPr>
+              <a:t>(collections.Counter(_str))</a:t>
             </a:r>
             <a:endParaRPr kumimoji="0" lang="zh-CN" altLang="zh-CN" sz="1800" b="0" i="0" u="none" strike="noStrike" cap="none" normalizeH="0" baseline="0" dirty="0">
               <a:ln>
@@ -15137,130 +15385,6 @@
   <p:clrMapOvr>
     <a:masterClrMapping/>
   </p:clrMapOvr>
-  <p:timing>
-    <p:tnLst>
-      <p:par>
-        <p:cTn id="1" dur="indefinite" restart="never" nodeType="tmRoot">
-          <p:childTnLst>
-            <p:seq concurrent="1" nextAc="seek">
-              <p:cTn id="2" dur="indefinite" nodeType="mainSeq">
-                <p:childTnLst>
-                  <p:par>
-                    <p:cTn id="3" fill="hold">
-                      <p:stCondLst>
-                        <p:cond delay="indefinite"/>
-                      </p:stCondLst>
-                      <p:childTnLst>
-                        <p:par>
-                          <p:cTn id="4" fill="hold">
-                            <p:stCondLst>
-                              <p:cond delay="0"/>
-                            </p:stCondLst>
-                            <p:childTnLst>
-                              <p:par>
-                                <p:cTn id="5" presetID="1" presetClass="entr" presetSubtype="0" fill="hold" grpId="0" nodeType="clickEffect">
-                                  <p:stCondLst>
-                                    <p:cond delay="0"/>
-                                  </p:stCondLst>
-                                  <p:childTnLst>
-                                    <p:set>
-                                      <p:cBhvr>
-                                        <p:cTn id="6" dur="1" fill="hold">
-                                          <p:stCondLst>
-                                            <p:cond delay="0"/>
-                                          </p:stCondLst>
-                                        </p:cTn>
-                                        <p:tgtEl>
-                                          <p:spTgt spid="6"/>
-                                        </p:tgtEl>
-                                        <p:attrNameLst>
-                                          <p:attrName>style.visibility</p:attrName>
-                                        </p:attrNameLst>
-                                      </p:cBhvr>
-                                      <p:to>
-                                        <p:strVal val="visible"/>
-                                      </p:to>
-                                    </p:set>
-                                  </p:childTnLst>
-                                </p:cTn>
-                              </p:par>
-                            </p:childTnLst>
-                          </p:cTn>
-                        </p:par>
-                      </p:childTnLst>
-                    </p:cTn>
-                  </p:par>
-                  <p:par>
-                    <p:cTn id="7" fill="hold">
-                      <p:stCondLst>
-                        <p:cond delay="indefinite"/>
-                      </p:stCondLst>
-                      <p:childTnLst>
-                        <p:par>
-                          <p:cTn id="8" fill="hold">
-                            <p:stCondLst>
-                              <p:cond delay="0"/>
-                            </p:stCondLst>
-                            <p:childTnLst>
-                              <p:par>
-                                <p:cTn id="9" presetID="1" presetClass="entr" presetSubtype="0" fill="hold" grpId="0" nodeType="clickEffect">
-                                  <p:stCondLst>
-                                    <p:cond delay="0"/>
-                                  </p:stCondLst>
-                                  <p:childTnLst>
-                                    <p:set>
-                                      <p:cBhvr>
-                                        <p:cTn id="10" dur="1" fill="hold">
-                                          <p:stCondLst>
-                                            <p:cond delay="0"/>
-                                          </p:stCondLst>
-                                        </p:cTn>
-                                        <p:tgtEl>
-                                          <p:spTgt spid="7"/>
-                                        </p:tgtEl>
-                                        <p:attrNameLst>
-                                          <p:attrName>style.visibility</p:attrName>
-                                        </p:attrNameLst>
-                                      </p:cBhvr>
-                                      <p:to>
-                                        <p:strVal val="visible"/>
-                                      </p:to>
-                                    </p:set>
-                                  </p:childTnLst>
-                                </p:cTn>
-                              </p:par>
-                            </p:childTnLst>
-                          </p:cTn>
-                        </p:par>
-                      </p:childTnLst>
-                    </p:cTn>
-                  </p:par>
-                </p:childTnLst>
-              </p:cTn>
-              <p:prevCondLst>
-                <p:cond evt="onPrev" delay="0">
-                  <p:tgtEl>
-                    <p:sldTgt/>
-                  </p:tgtEl>
-                </p:cond>
-              </p:prevCondLst>
-              <p:nextCondLst>
-                <p:cond evt="onNext" delay="0">
-                  <p:tgtEl>
-                    <p:sldTgt/>
-                  </p:tgtEl>
-                </p:cond>
-              </p:nextCondLst>
-            </p:seq>
-          </p:childTnLst>
-        </p:cTn>
-      </p:par>
-    </p:tnLst>
-    <p:bldLst>
-      <p:bldP spid="6" grpId="0" animBg="1"/>
-      <p:bldP spid="7" grpId="0" animBg="1"/>
-    </p:bldLst>
-  </p:timing>
 </p:sld>
 </file>
 
